--- a/Hive_Def_Guide_mar_2016/Hive_programming_Hive_part1.pptx
+++ b/Hive_Def_Guide_mar_2016/Hive_programming_Hive_part1.pptx
@@ -5,7 +5,7 @@
     <p:sldMasterId id="2147483648" r:id="rId1"/>
   </p:sldMasterIdLst>
   <p:notesMasterIdLst>
-    <p:notesMasterId r:id="rId12"/>
+    <p:notesMasterId r:id="rId19"/>
   </p:notesMasterIdLst>
   <p:sldIdLst>
     <p:sldId id="256" r:id="rId2"/>
@@ -18,6 +18,13 @@
     <p:sldId id="263" r:id="rId9"/>
     <p:sldId id="264" r:id="rId10"/>
     <p:sldId id="265" r:id="rId11"/>
+    <p:sldId id="266" r:id="rId12"/>
+    <p:sldId id="267" r:id="rId13"/>
+    <p:sldId id="268" r:id="rId14"/>
+    <p:sldId id="269" r:id="rId15"/>
+    <p:sldId id="270" r:id="rId16"/>
+    <p:sldId id="271" r:id="rId17"/>
+    <p:sldId id="272" r:id="rId18"/>
   </p:sldIdLst>
   <p:sldSz cx="12192000" cy="6858000"/>
   <p:notesSz cx="6858000" cy="9144000"/>
@@ -549,6 +556,594 @@
     <p:extLst>
       <p:ext uri="{BB962C8B-B14F-4D97-AF65-F5344CB8AC3E}">
         <p14:creationId xmlns:p14="http://schemas.microsoft.com/office/powerpoint/2010/main" val="3012437179"/>
+      </p:ext>
+    </p:extLst>
+  </p:cSld>
+  <p:clrMapOvr>
+    <a:masterClrMapping/>
+  </p:clrMapOvr>
+</p:notes>
+</file>
+
+<file path=ppt/notesSlides/notesSlide2.xml><?xml version="1.0" encoding="utf-8"?>
+<p:notes xmlns:a="http://schemas.openxmlformats.org/drawingml/2006/main" xmlns:r="http://schemas.openxmlformats.org/officeDocument/2006/relationships" xmlns:p="http://schemas.openxmlformats.org/presentationml/2006/main">
+  <p:cSld>
+    <p:spTree>
+      <p:nvGrpSpPr>
+        <p:cNvPr id="1" name=""/>
+        <p:cNvGrpSpPr/>
+        <p:nvPr/>
+      </p:nvGrpSpPr>
+      <p:grpSpPr>
+        <a:xfrm>
+          <a:off x="0" y="0"/>
+          <a:ext cx="0" cy="0"/>
+          <a:chOff x="0" y="0"/>
+          <a:chExt cx="0" cy="0"/>
+        </a:xfrm>
+      </p:grpSpPr>
+      <p:sp>
+        <p:nvSpPr>
+          <p:cNvPr id="2" name="Slide Image Placeholder 1"/>
+          <p:cNvSpPr>
+            <a:spLocks noGrp="1" noRot="1" noChangeAspect="1"/>
+          </p:cNvSpPr>
+          <p:nvPr>
+            <p:ph type="sldImg"/>
+          </p:nvPr>
+        </p:nvSpPr>
+        <p:spPr/>
+      </p:sp>
+      <p:sp>
+        <p:nvSpPr>
+          <p:cNvPr id="3" name="Notes Placeholder 2"/>
+          <p:cNvSpPr>
+            <a:spLocks noGrp="1"/>
+          </p:cNvSpPr>
+          <p:nvPr>
+            <p:ph type="body" idx="1"/>
+          </p:nvPr>
+        </p:nvSpPr>
+        <p:spPr/>
+        <p:txBody>
+          <a:bodyPr/>
+          <a:lstStyle/>
+          <a:p>
+            <a:endParaRPr lang="en-US" dirty="0"/>
+          </a:p>
+        </p:txBody>
+      </p:sp>
+      <p:sp>
+        <p:nvSpPr>
+          <p:cNvPr id="4" name="Slide Number Placeholder 3"/>
+          <p:cNvSpPr>
+            <a:spLocks noGrp="1"/>
+          </p:cNvSpPr>
+          <p:nvPr>
+            <p:ph type="sldNum" sz="quarter" idx="10"/>
+          </p:nvPr>
+        </p:nvSpPr>
+        <p:spPr/>
+        <p:txBody>
+          <a:bodyPr/>
+          <a:lstStyle/>
+          <a:p>
+            <a:fld id="{300070EE-FEF5-4A53-92E1-B9B0204C207A}" type="slidenum">
+              <a:rPr lang="en-US" smtClean="0"/>
+              <a:t>11</a:t>
+            </a:fld>
+            <a:endParaRPr lang="en-US"/>
+          </a:p>
+        </p:txBody>
+      </p:sp>
+    </p:spTree>
+    <p:extLst>
+      <p:ext uri="{BB962C8B-B14F-4D97-AF65-F5344CB8AC3E}">
+        <p14:creationId xmlns:p14="http://schemas.microsoft.com/office/powerpoint/2010/main" val="1086729725"/>
+      </p:ext>
+    </p:extLst>
+  </p:cSld>
+  <p:clrMapOvr>
+    <a:masterClrMapping/>
+  </p:clrMapOvr>
+</p:notes>
+</file>
+
+<file path=ppt/notesSlides/notesSlide3.xml><?xml version="1.0" encoding="utf-8"?>
+<p:notes xmlns:a="http://schemas.openxmlformats.org/drawingml/2006/main" xmlns:r="http://schemas.openxmlformats.org/officeDocument/2006/relationships" xmlns:p="http://schemas.openxmlformats.org/presentationml/2006/main">
+  <p:cSld>
+    <p:spTree>
+      <p:nvGrpSpPr>
+        <p:cNvPr id="1" name=""/>
+        <p:cNvGrpSpPr/>
+        <p:nvPr/>
+      </p:nvGrpSpPr>
+      <p:grpSpPr>
+        <a:xfrm>
+          <a:off x="0" y="0"/>
+          <a:ext cx="0" cy="0"/>
+          <a:chOff x="0" y="0"/>
+          <a:chExt cx="0" cy="0"/>
+        </a:xfrm>
+      </p:grpSpPr>
+      <p:sp>
+        <p:nvSpPr>
+          <p:cNvPr id="2" name="Slide Image Placeholder 1"/>
+          <p:cNvSpPr>
+            <a:spLocks noGrp="1" noRot="1" noChangeAspect="1"/>
+          </p:cNvSpPr>
+          <p:nvPr>
+            <p:ph type="sldImg"/>
+          </p:nvPr>
+        </p:nvSpPr>
+        <p:spPr/>
+      </p:sp>
+      <p:sp>
+        <p:nvSpPr>
+          <p:cNvPr id="3" name="Notes Placeholder 2"/>
+          <p:cNvSpPr>
+            <a:spLocks noGrp="1"/>
+          </p:cNvSpPr>
+          <p:nvPr>
+            <p:ph type="body" idx="1"/>
+          </p:nvPr>
+        </p:nvSpPr>
+        <p:spPr/>
+        <p:txBody>
+          <a:bodyPr/>
+          <a:lstStyle/>
+          <a:p>
+            <a:endParaRPr lang="en-US" dirty="0"/>
+          </a:p>
+        </p:txBody>
+      </p:sp>
+      <p:sp>
+        <p:nvSpPr>
+          <p:cNvPr id="4" name="Slide Number Placeholder 3"/>
+          <p:cNvSpPr>
+            <a:spLocks noGrp="1"/>
+          </p:cNvSpPr>
+          <p:nvPr>
+            <p:ph type="sldNum" sz="quarter" idx="10"/>
+          </p:nvPr>
+        </p:nvSpPr>
+        <p:spPr/>
+        <p:txBody>
+          <a:bodyPr/>
+          <a:lstStyle/>
+          <a:p>
+            <a:fld id="{300070EE-FEF5-4A53-92E1-B9B0204C207A}" type="slidenum">
+              <a:rPr lang="en-US" smtClean="0"/>
+              <a:t>12</a:t>
+            </a:fld>
+            <a:endParaRPr lang="en-US"/>
+          </a:p>
+        </p:txBody>
+      </p:sp>
+    </p:spTree>
+    <p:extLst>
+      <p:ext uri="{BB962C8B-B14F-4D97-AF65-F5344CB8AC3E}">
+        <p14:creationId xmlns:p14="http://schemas.microsoft.com/office/powerpoint/2010/main" val="2673081392"/>
+      </p:ext>
+    </p:extLst>
+  </p:cSld>
+  <p:clrMapOvr>
+    <a:masterClrMapping/>
+  </p:clrMapOvr>
+</p:notes>
+</file>
+
+<file path=ppt/notesSlides/notesSlide4.xml><?xml version="1.0" encoding="utf-8"?>
+<p:notes xmlns:a="http://schemas.openxmlformats.org/drawingml/2006/main" xmlns:r="http://schemas.openxmlformats.org/officeDocument/2006/relationships" xmlns:p="http://schemas.openxmlformats.org/presentationml/2006/main">
+  <p:cSld>
+    <p:spTree>
+      <p:nvGrpSpPr>
+        <p:cNvPr id="1" name=""/>
+        <p:cNvGrpSpPr/>
+        <p:nvPr/>
+      </p:nvGrpSpPr>
+      <p:grpSpPr>
+        <a:xfrm>
+          <a:off x="0" y="0"/>
+          <a:ext cx="0" cy="0"/>
+          <a:chOff x="0" y="0"/>
+          <a:chExt cx="0" cy="0"/>
+        </a:xfrm>
+      </p:grpSpPr>
+      <p:sp>
+        <p:nvSpPr>
+          <p:cNvPr id="2" name="Slide Image Placeholder 1"/>
+          <p:cNvSpPr>
+            <a:spLocks noGrp="1" noRot="1" noChangeAspect="1"/>
+          </p:cNvSpPr>
+          <p:nvPr>
+            <p:ph type="sldImg"/>
+          </p:nvPr>
+        </p:nvSpPr>
+        <p:spPr/>
+      </p:sp>
+      <p:sp>
+        <p:nvSpPr>
+          <p:cNvPr id="3" name="Notes Placeholder 2"/>
+          <p:cNvSpPr>
+            <a:spLocks noGrp="1"/>
+          </p:cNvSpPr>
+          <p:nvPr>
+            <p:ph type="body" idx="1"/>
+          </p:nvPr>
+        </p:nvSpPr>
+        <p:spPr/>
+        <p:txBody>
+          <a:bodyPr/>
+          <a:lstStyle/>
+          <a:p>
+            <a:endParaRPr lang="en-US" dirty="0"/>
+          </a:p>
+        </p:txBody>
+      </p:sp>
+      <p:sp>
+        <p:nvSpPr>
+          <p:cNvPr id="4" name="Slide Number Placeholder 3"/>
+          <p:cNvSpPr>
+            <a:spLocks noGrp="1"/>
+          </p:cNvSpPr>
+          <p:nvPr>
+            <p:ph type="sldNum" sz="quarter" idx="10"/>
+          </p:nvPr>
+        </p:nvSpPr>
+        <p:spPr/>
+        <p:txBody>
+          <a:bodyPr/>
+          <a:lstStyle/>
+          <a:p>
+            <a:fld id="{300070EE-FEF5-4A53-92E1-B9B0204C207A}" type="slidenum">
+              <a:rPr lang="en-US" smtClean="0"/>
+              <a:t>13</a:t>
+            </a:fld>
+            <a:endParaRPr lang="en-US"/>
+          </a:p>
+        </p:txBody>
+      </p:sp>
+    </p:spTree>
+    <p:extLst>
+      <p:ext uri="{BB962C8B-B14F-4D97-AF65-F5344CB8AC3E}">
+        <p14:creationId xmlns:p14="http://schemas.microsoft.com/office/powerpoint/2010/main" val="2288080250"/>
+      </p:ext>
+    </p:extLst>
+  </p:cSld>
+  <p:clrMapOvr>
+    <a:masterClrMapping/>
+  </p:clrMapOvr>
+</p:notes>
+</file>
+
+<file path=ppt/notesSlides/notesSlide5.xml><?xml version="1.0" encoding="utf-8"?>
+<p:notes xmlns:a="http://schemas.openxmlformats.org/drawingml/2006/main" xmlns:r="http://schemas.openxmlformats.org/officeDocument/2006/relationships" xmlns:p="http://schemas.openxmlformats.org/presentationml/2006/main">
+  <p:cSld>
+    <p:spTree>
+      <p:nvGrpSpPr>
+        <p:cNvPr id="1" name=""/>
+        <p:cNvGrpSpPr/>
+        <p:nvPr/>
+      </p:nvGrpSpPr>
+      <p:grpSpPr>
+        <a:xfrm>
+          <a:off x="0" y="0"/>
+          <a:ext cx="0" cy="0"/>
+          <a:chOff x="0" y="0"/>
+          <a:chExt cx="0" cy="0"/>
+        </a:xfrm>
+      </p:grpSpPr>
+      <p:sp>
+        <p:nvSpPr>
+          <p:cNvPr id="2" name="Slide Image Placeholder 1"/>
+          <p:cNvSpPr>
+            <a:spLocks noGrp="1" noRot="1" noChangeAspect="1"/>
+          </p:cNvSpPr>
+          <p:nvPr>
+            <p:ph type="sldImg"/>
+          </p:nvPr>
+        </p:nvSpPr>
+        <p:spPr/>
+      </p:sp>
+      <p:sp>
+        <p:nvSpPr>
+          <p:cNvPr id="3" name="Notes Placeholder 2"/>
+          <p:cNvSpPr>
+            <a:spLocks noGrp="1"/>
+          </p:cNvSpPr>
+          <p:nvPr>
+            <p:ph type="body" idx="1"/>
+          </p:nvPr>
+        </p:nvSpPr>
+        <p:spPr/>
+        <p:txBody>
+          <a:bodyPr/>
+          <a:lstStyle/>
+          <a:p>
+            <a:endParaRPr lang="en-US" dirty="0"/>
+          </a:p>
+        </p:txBody>
+      </p:sp>
+      <p:sp>
+        <p:nvSpPr>
+          <p:cNvPr id="4" name="Slide Number Placeholder 3"/>
+          <p:cNvSpPr>
+            <a:spLocks noGrp="1"/>
+          </p:cNvSpPr>
+          <p:nvPr>
+            <p:ph type="sldNum" sz="quarter" idx="10"/>
+          </p:nvPr>
+        </p:nvSpPr>
+        <p:spPr/>
+        <p:txBody>
+          <a:bodyPr/>
+          <a:lstStyle/>
+          <a:p>
+            <a:fld id="{300070EE-FEF5-4A53-92E1-B9B0204C207A}" type="slidenum">
+              <a:rPr lang="en-US" smtClean="0"/>
+              <a:t>14</a:t>
+            </a:fld>
+            <a:endParaRPr lang="en-US"/>
+          </a:p>
+        </p:txBody>
+      </p:sp>
+    </p:spTree>
+    <p:extLst>
+      <p:ext uri="{BB962C8B-B14F-4D97-AF65-F5344CB8AC3E}">
+        <p14:creationId xmlns:p14="http://schemas.microsoft.com/office/powerpoint/2010/main" val="3229552860"/>
+      </p:ext>
+    </p:extLst>
+  </p:cSld>
+  <p:clrMapOvr>
+    <a:masterClrMapping/>
+  </p:clrMapOvr>
+</p:notes>
+</file>
+
+<file path=ppt/notesSlides/notesSlide6.xml><?xml version="1.0" encoding="utf-8"?>
+<p:notes xmlns:a="http://schemas.openxmlformats.org/drawingml/2006/main" xmlns:r="http://schemas.openxmlformats.org/officeDocument/2006/relationships" xmlns:p="http://schemas.openxmlformats.org/presentationml/2006/main">
+  <p:cSld>
+    <p:spTree>
+      <p:nvGrpSpPr>
+        <p:cNvPr id="1" name=""/>
+        <p:cNvGrpSpPr/>
+        <p:nvPr/>
+      </p:nvGrpSpPr>
+      <p:grpSpPr>
+        <a:xfrm>
+          <a:off x="0" y="0"/>
+          <a:ext cx="0" cy="0"/>
+          <a:chOff x="0" y="0"/>
+          <a:chExt cx="0" cy="0"/>
+        </a:xfrm>
+      </p:grpSpPr>
+      <p:sp>
+        <p:nvSpPr>
+          <p:cNvPr id="2" name="Slide Image Placeholder 1"/>
+          <p:cNvSpPr>
+            <a:spLocks noGrp="1" noRot="1" noChangeAspect="1"/>
+          </p:cNvSpPr>
+          <p:nvPr>
+            <p:ph type="sldImg"/>
+          </p:nvPr>
+        </p:nvSpPr>
+        <p:spPr/>
+      </p:sp>
+      <p:sp>
+        <p:nvSpPr>
+          <p:cNvPr id="3" name="Notes Placeholder 2"/>
+          <p:cNvSpPr>
+            <a:spLocks noGrp="1"/>
+          </p:cNvSpPr>
+          <p:nvPr>
+            <p:ph type="body" idx="1"/>
+          </p:nvPr>
+        </p:nvSpPr>
+        <p:spPr/>
+        <p:txBody>
+          <a:bodyPr/>
+          <a:lstStyle/>
+          <a:p>
+            <a:endParaRPr lang="en-US" dirty="0"/>
+          </a:p>
+        </p:txBody>
+      </p:sp>
+      <p:sp>
+        <p:nvSpPr>
+          <p:cNvPr id="4" name="Slide Number Placeholder 3"/>
+          <p:cNvSpPr>
+            <a:spLocks noGrp="1"/>
+          </p:cNvSpPr>
+          <p:nvPr>
+            <p:ph type="sldNum" sz="quarter" idx="10"/>
+          </p:nvPr>
+        </p:nvSpPr>
+        <p:spPr/>
+        <p:txBody>
+          <a:bodyPr/>
+          <a:lstStyle/>
+          <a:p>
+            <a:fld id="{300070EE-FEF5-4A53-92E1-B9B0204C207A}" type="slidenum">
+              <a:rPr lang="en-US" smtClean="0"/>
+              <a:t>15</a:t>
+            </a:fld>
+            <a:endParaRPr lang="en-US"/>
+          </a:p>
+        </p:txBody>
+      </p:sp>
+    </p:spTree>
+    <p:extLst>
+      <p:ext uri="{BB962C8B-B14F-4D97-AF65-F5344CB8AC3E}">
+        <p14:creationId xmlns:p14="http://schemas.microsoft.com/office/powerpoint/2010/main" val="1217924961"/>
+      </p:ext>
+    </p:extLst>
+  </p:cSld>
+  <p:clrMapOvr>
+    <a:masterClrMapping/>
+  </p:clrMapOvr>
+</p:notes>
+</file>
+
+<file path=ppt/notesSlides/notesSlide7.xml><?xml version="1.0" encoding="utf-8"?>
+<p:notes xmlns:a="http://schemas.openxmlformats.org/drawingml/2006/main" xmlns:r="http://schemas.openxmlformats.org/officeDocument/2006/relationships" xmlns:p="http://schemas.openxmlformats.org/presentationml/2006/main">
+  <p:cSld>
+    <p:spTree>
+      <p:nvGrpSpPr>
+        <p:cNvPr id="1" name=""/>
+        <p:cNvGrpSpPr/>
+        <p:nvPr/>
+      </p:nvGrpSpPr>
+      <p:grpSpPr>
+        <a:xfrm>
+          <a:off x="0" y="0"/>
+          <a:ext cx="0" cy="0"/>
+          <a:chOff x="0" y="0"/>
+          <a:chExt cx="0" cy="0"/>
+        </a:xfrm>
+      </p:grpSpPr>
+      <p:sp>
+        <p:nvSpPr>
+          <p:cNvPr id="2" name="Slide Image Placeholder 1"/>
+          <p:cNvSpPr>
+            <a:spLocks noGrp="1" noRot="1" noChangeAspect="1"/>
+          </p:cNvSpPr>
+          <p:nvPr>
+            <p:ph type="sldImg"/>
+          </p:nvPr>
+        </p:nvSpPr>
+        <p:spPr/>
+      </p:sp>
+      <p:sp>
+        <p:nvSpPr>
+          <p:cNvPr id="3" name="Notes Placeholder 2"/>
+          <p:cNvSpPr>
+            <a:spLocks noGrp="1"/>
+          </p:cNvSpPr>
+          <p:nvPr>
+            <p:ph type="body" idx="1"/>
+          </p:nvPr>
+        </p:nvSpPr>
+        <p:spPr/>
+        <p:txBody>
+          <a:bodyPr/>
+          <a:lstStyle/>
+          <a:p>
+            <a:endParaRPr lang="en-US" dirty="0"/>
+          </a:p>
+        </p:txBody>
+      </p:sp>
+      <p:sp>
+        <p:nvSpPr>
+          <p:cNvPr id="4" name="Slide Number Placeholder 3"/>
+          <p:cNvSpPr>
+            <a:spLocks noGrp="1"/>
+          </p:cNvSpPr>
+          <p:nvPr>
+            <p:ph type="sldNum" sz="quarter" idx="10"/>
+          </p:nvPr>
+        </p:nvSpPr>
+        <p:spPr/>
+        <p:txBody>
+          <a:bodyPr/>
+          <a:lstStyle/>
+          <a:p>
+            <a:fld id="{300070EE-FEF5-4A53-92E1-B9B0204C207A}" type="slidenum">
+              <a:rPr lang="en-US" smtClean="0"/>
+              <a:t>16</a:t>
+            </a:fld>
+            <a:endParaRPr lang="en-US"/>
+          </a:p>
+        </p:txBody>
+      </p:sp>
+    </p:spTree>
+    <p:extLst>
+      <p:ext uri="{BB962C8B-B14F-4D97-AF65-F5344CB8AC3E}">
+        <p14:creationId xmlns:p14="http://schemas.microsoft.com/office/powerpoint/2010/main" val="809035162"/>
+      </p:ext>
+    </p:extLst>
+  </p:cSld>
+  <p:clrMapOvr>
+    <a:masterClrMapping/>
+  </p:clrMapOvr>
+</p:notes>
+</file>
+
+<file path=ppt/notesSlides/notesSlide8.xml><?xml version="1.0" encoding="utf-8"?>
+<p:notes xmlns:a="http://schemas.openxmlformats.org/drawingml/2006/main" xmlns:r="http://schemas.openxmlformats.org/officeDocument/2006/relationships" xmlns:p="http://schemas.openxmlformats.org/presentationml/2006/main">
+  <p:cSld>
+    <p:spTree>
+      <p:nvGrpSpPr>
+        <p:cNvPr id="1" name=""/>
+        <p:cNvGrpSpPr/>
+        <p:nvPr/>
+      </p:nvGrpSpPr>
+      <p:grpSpPr>
+        <a:xfrm>
+          <a:off x="0" y="0"/>
+          <a:ext cx="0" cy="0"/>
+          <a:chOff x="0" y="0"/>
+          <a:chExt cx="0" cy="0"/>
+        </a:xfrm>
+      </p:grpSpPr>
+      <p:sp>
+        <p:nvSpPr>
+          <p:cNvPr id="2" name="Slide Image Placeholder 1"/>
+          <p:cNvSpPr>
+            <a:spLocks noGrp="1" noRot="1" noChangeAspect="1"/>
+          </p:cNvSpPr>
+          <p:nvPr>
+            <p:ph type="sldImg"/>
+          </p:nvPr>
+        </p:nvSpPr>
+        <p:spPr/>
+      </p:sp>
+      <p:sp>
+        <p:nvSpPr>
+          <p:cNvPr id="3" name="Notes Placeholder 2"/>
+          <p:cNvSpPr>
+            <a:spLocks noGrp="1"/>
+          </p:cNvSpPr>
+          <p:nvPr>
+            <p:ph type="body" idx="1"/>
+          </p:nvPr>
+        </p:nvSpPr>
+        <p:spPr/>
+        <p:txBody>
+          <a:bodyPr/>
+          <a:lstStyle/>
+          <a:p>
+            <a:endParaRPr lang="en-US" dirty="0"/>
+          </a:p>
+        </p:txBody>
+      </p:sp>
+      <p:sp>
+        <p:nvSpPr>
+          <p:cNvPr id="4" name="Slide Number Placeholder 3"/>
+          <p:cNvSpPr>
+            <a:spLocks noGrp="1"/>
+          </p:cNvSpPr>
+          <p:nvPr>
+            <p:ph type="sldNum" sz="quarter" idx="10"/>
+          </p:nvPr>
+        </p:nvSpPr>
+        <p:spPr/>
+        <p:txBody>
+          <a:bodyPr/>
+          <a:lstStyle/>
+          <a:p>
+            <a:fld id="{300070EE-FEF5-4A53-92E1-B9B0204C207A}" type="slidenum">
+              <a:rPr lang="en-US" smtClean="0"/>
+              <a:t>17</a:t>
+            </a:fld>
+            <a:endParaRPr lang="en-US"/>
+          </a:p>
+        </p:txBody>
+      </p:sp>
+    </p:spTree>
+    <p:extLst>
+      <p:ext uri="{BB962C8B-B14F-4D97-AF65-F5344CB8AC3E}">
+        <p14:creationId xmlns:p14="http://schemas.microsoft.com/office/powerpoint/2010/main" val="28306502"/>
       </p:ext>
     </p:extLst>
   </p:cSld>
@@ -3547,7 +4142,7 @@
         </p:spPr>
         <p:txBody>
           <a:bodyPr>
-            <a:normAutofit/>
+            <a:normAutofit fontScale="92500" lnSpcReduction="20000"/>
           </a:bodyPr>
           <a:lstStyle/>
           <a:p>
@@ -3586,7 +4181,310 @@
               <a:rPr lang="en-US" dirty="0" smtClean="0"/>
               <a:t>3306.</a:t>
             </a:r>
-            <a:endParaRPr lang="en-US" dirty="0"/>
+          </a:p>
+          <a:p>
+            <a:r>
+              <a:rPr lang="it-IT" i="1" dirty="0"/>
+              <a:t>Metastore database configuration in hive-site.xml</a:t>
+            </a:r>
+            <a:endParaRPr lang="en-US" dirty="0" smtClean="0"/>
+          </a:p>
+          <a:p>
+            <a:pPr lvl="1"/>
+            <a:r>
+              <a:rPr lang="en-US" b="1" dirty="0"/>
+              <a:t>&lt;name&gt;</a:t>
+            </a:r>
+            <a:r>
+              <a:rPr lang="en-US" dirty="0" err="1"/>
+              <a:t>javax.jdo.option.ConnectionURL</a:t>
+            </a:r>
+            <a:r>
+              <a:rPr lang="en-US" b="1" dirty="0"/>
+              <a:t>&lt;/name&gt;</a:t>
+            </a:r>
+          </a:p>
+          <a:p>
+            <a:pPr lvl="1"/>
+            <a:r>
+              <a:rPr lang="en-US" b="1" dirty="0"/>
+              <a:t>&lt;value&gt;</a:t>
+            </a:r>
+            <a:r>
+              <a:rPr lang="en-US" dirty="0" err="1"/>
+              <a:t>jdbc:mysql</a:t>
+            </a:r>
+            <a:r>
+              <a:rPr lang="en-US" dirty="0"/>
+              <a:t>://db1.mydomain.pvt/</a:t>
+            </a:r>
+            <a:r>
+              <a:rPr lang="en-US" dirty="0" err="1"/>
+              <a:t>hive_db?createDatabaseIfNotExist</a:t>
+            </a:r>
+            <a:r>
+              <a:rPr lang="en-US" dirty="0"/>
+              <a:t>=true</a:t>
+            </a:r>
+            <a:r>
+              <a:rPr lang="en-US" b="1" dirty="0"/>
+              <a:t>&lt;/value</a:t>
+            </a:r>
+            <a:r>
+              <a:rPr lang="en-US" b="1" dirty="0" smtClean="0"/>
+              <a:t>&gt;</a:t>
+            </a:r>
+          </a:p>
+          <a:p>
+            <a:pPr lvl="1"/>
+            <a:r>
+              <a:rPr lang="en-US" b="1" dirty="0"/>
+              <a:t>&lt;name&gt;</a:t>
+            </a:r>
+            <a:r>
+              <a:rPr lang="en-US" dirty="0" err="1"/>
+              <a:t>javax.jdo.option.ConnectionDriverName</a:t>
+            </a:r>
+            <a:r>
+              <a:rPr lang="en-US" b="1" dirty="0"/>
+              <a:t>&lt;/name&gt;</a:t>
+            </a:r>
+          </a:p>
+          <a:p>
+            <a:pPr lvl="1"/>
+            <a:r>
+              <a:rPr lang="en-US" b="1" dirty="0"/>
+              <a:t>&lt;value&gt;</a:t>
+            </a:r>
+            <a:r>
+              <a:rPr lang="en-US" dirty="0" err="1"/>
+              <a:t>com.mysql.jdbc.Driver</a:t>
+            </a:r>
+            <a:r>
+              <a:rPr lang="en-US" b="1" dirty="0"/>
+              <a:t>&lt;/value</a:t>
+            </a:r>
+            <a:r>
+              <a:rPr lang="en-US" b="1" dirty="0" smtClean="0"/>
+              <a:t>&gt;</a:t>
+            </a:r>
+          </a:p>
+          <a:p>
+            <a:pPr lvl="1"/>
+            <a:r>
+              <a:rPr lang="en-US" b="1" dirty="0"/>
+              <a:t>&lt;name&gt;</a:t>
+            </a:r>
+            <a:r>
+              <a:rPr lang="en-US" dirty="0" err="1"/>
+              <a:t>javax.jdo.option.ConnectionUserName</a:t>
+            </a:r>
+            <a:r>
+              <a:rPr lang="en-US" b="1" dirty="0"/>
+              <a:t>&lt;/name&gt;</a:t>
+            </a:r>
+          </a:p>
+          <a:p>
+            <a:pPr lvl="1"/>
+            <a:r>
+              <a:rPr lang="en-US" b="1" dirty="0"/>
+              <a:t>&lt;value&gt;</a:t>
+            </a:r>
+            <a:r>
+              <a:rPr lang="en-US" dirty="0" err="1"/>
+              <a:t>database_user</a:t>
+            </a:r>
+            <a:r>
+              <a:rPr lang="en-US" b="1" dirty="0"/>
+              <a:t>&lt;/value&gt;</a:t>
+            </a:r>
+          </a:p>
+          <a:p>
+            <a:pPr lvl="1"/>
+            <a:r>
+              <a:rPr lang="en-US" b="1" dirty="0" smtClean="0"/>
+              <a:t>&lt;</a:t>
+            </a:r>
+            <a:r>
+              <a:rPr lang="en-US" b="1" dirty="0"/>
+              <a:t>property</a:t>
+            </a:r>
+            <a:r>
+              <a:rPr lang="en-US" b="1" dirty="0" smtClean="0"/>
+              <a:t>&gt;&lt;</a:t>
+            </a:r>
+            <a:r>
+              <a:rPr lang="en-US" b="1" dirty="0"/>
+              <a:t>name&gt;</a:t>
+            </a:r>
+            <a:r>
+              <a:rPr lang="en-US" dirty="0" err="1"/>
+              <a:t>javax.jdo.option.ConnectionPassword</a:t>
+            </a:r>
+            <a:r>
+              <a:rPr lang="en-US" b="1" dirty="0"/>
+              <a:t>&lt;/name&gt;</a:t>
+            </a:r>
+          </a:p>
+          <a:p>
+            <a:pPr lvl="1"/>
+            <a:r>
+              <a:rPr lang="en-US" b="1" dirty="0"/>
+              <a:t>&lt;value&gt;</a:t>
+            </a:r>
+            <a:r>
+              <a:rPr lang="en-US" dirty="0" err="1"/>
+              <a:t>database_pass</a:t>
+            </a:r>
+            <a:r>
+              <a:rPr lang="en-US" b="1" dirty="0"/>
+              <a:t>&lt;/value</a:t>
+            </a:r>
+            <a:r>
+              <a:rPr lang="en-US" b="1" dirty="0" smtClean="0"/>
+              <a:t>&gt;</a:t>
+            </a:r>
+          </a:p>
+          <a:p>
+            <a:r>
+              <a:rPr lang="en-US" dirty="0"/>
+              <a:t>For Hive to be able to connect to MySQL, </a:t>
+            </a:r>
+            <a:endParaRPr lang="en-US" dirty="0" smtClean="0"/>
+          </a:p>
+          <a:p>
+            <a:pPr lvl="1"/>
+            <a:r>
+              <a:rPr lang="en-US" dirty="0" smtClean="0"/>
+              <a:t>we </a:t>
+            </a:r>
+            <a:r>
+              <a:rPr lang="en-US" dirty="0"/>
+              <a:t>need to place the JDBC driver in </a:t>
+            </a:r>
+            <a:r>
+              <a:rPr lang="en-US" dirty="0" smtClean="0"/>
+              <a:t>our </a:t>
+            </a:r>
+            <a:r>
+              <a:rPr lang="en-US" dirty="0" err="1" smtClean="0"/>
+              <a:t>classpath</a:t>
+            </a:r>
+            <a:r>
+              <a:rPr lang="en-US" dirty="0"/>
+              <a:t>. </a:t>
+            </a:r>
+            <a:endParaRPr lang="en-US" dirty="0" smtClean="0"/>
+          </a:p>
+          <a:p>
+            <a:pPr lvl="1"/>
+            <a:r>
+              <a:rPr lang="en-US" dirty="0" smtClean="0"/>
+              <a:t>Download </a:t>
+            </a:r>
+            <a:r>
+              <a:rPr lang="en-US" dirty="0"/>
+              <a:t>the MySQL JDBC driver (</a:t>
+            </a:r>
+            <a:r>
+              <a:rPr lang="en-US" sz="2400" dirty="0" err="1"/>
+              <a:t>Jconnector</a:t>
+            </a:r>
+            <a:r>
+              <a:rPr lang="en-US" dirty="0"/>
+              <a:t>) from </a:t>
+            </a:r>
+            <a:r>
+              <a:rPr lang="en-US" i="1" dirty="0"/>
+              <a:t>http://</a:t>
+            </a:r>
+            <a:r>
+              <a:rPr lang="en-US" i="1" dirty="0" smtClean="0"/>
+              <a:t>www.mysql.com/downloads/connector/j</a:t>
+            </a:r>
+            <a:r>
+              <a:rPr lang="en-US" i="1" dirty="0"/>
+              <a:t>/</a:t>
+            </a:r>
+            <a:r>
+              <a:rPr lang="en-US" dirty="0"/>
+              <a:t>. </a:t>
+            </a:r>
+            <a:endParaRPr lang="en-US" dirty="0" smtClean="0"/>
+          </a:p>
+          <a:p>
+            <a:pPr lvl="1"/>
+            <a:r>
+              <a:rPr lang="en-US" dirty="0" smtClean="0"/>
+              <a:t>The </a:t>
+            </a:r>
+            <a:r>
+              <a:rPr lang="en-US" dirty="0"/>
+              <a:t>driver can be placed in the Hive library </a:t>
+            </a:r>
+            <a:r>
+              <a:rPr lang="en-US" dirty="0" err="1"/>
+              <a:t>path</a:t>
+            </a:r>
+            <a:r>
+              <a:rPr lang="en-US" dirty="0" err="1" smtClean="0"/>
+              <a:t>,</a:t>
+            </a:r>
+            <a:r>
+              <a:rPr lang="en-US" sz="2400" dirty="0" err="1" smtClean="0"/>
+              <a:t>$</a:t>
+            </a:r>
+            <a:r>
+              <a:rPr lang="en-US" sz="2400" dirty="0" err="1"/>
+              <a:t>HIVE_HOME</a:t>
+            </a:r>
+            <a:r>
+              <a:rPr lang="en-US" sz="2400" dirty="0"/>
+              <a:t>/lib</a:t>
+            </a:r>
+            <a:r>
+              <a:rPr lang="en-US" dirty="0"/>
+              <a:t>. </a:t>
+            </a:r>
+            <a:endParaRPr lang="en-US" dirty="0" smtClean="0"/>
+          </a:p>
+          <a:p>
+            <a:pPr lvl="1"/>
+            <a:r>
+              <a:rPr lang="en-US" dirty="0" smtClean="0"/>
+              <a:t>Some </a:t>
+            </a:r>
+            <a:r>
+              <a:rPr lang="en-US" dirty="0"/>
+              <a:t>teams put all such support libraries in their Hadoop </a:t>
+            </a:r>
+            <a:r>
+              <a:rPr lang="en-US" sz="2400" dirty="0" smtClean="0"/>
+              <a:t>lib </a:t>
+            </a:r>
+            <a:r>
+              <a:rPr lang="en-US" dirty="0" smtClean="0"/>
+              <a:t>directory.</a:t>
+            </a:r>
+          </a:p>
+          <a:p>
+            <a:pPr lvl="1"/>
+            <a:r>
+              <a:rPr lang="en-US" dirty="0"/>
+              <a:t>With the driver and the configuration settings in place, Hive will store its </a:t>
+            </a:r>
+            <a:r>
+              <a:rPr lang="en-US" dirty="0" err="1" smtClean="0"/>
+              <a:t>metastore</a:t>
+            </a:r>
+            <a:r>
+              <a:rPr lang="en-US" dirty="0" smtClean="0"/>
+              <a:t> information </a:t>
+            </a:r>
+            <a:r>
+              <a:rPr lang="en-US" dirty="0"/>
+              <a:t>in MySQL.</a:t>
+            </a:r>
           </a:p>
         </p:txBody>
       </p:sp>
@@ -3594,6 +4492,2717 @@
     <p:extLst>
       <p:ext uri="{BB962C8B-B14F-4D97-AF65-F5344CB8AC3E}">
         <p14:creationId xmlns:p14="http://schemas.microsoft.com/office/powerpoint/2010/main" val="2856043293"/>
+      </p:ext>
+    </p:extLst>
+  </p:cSld>
+  <p:clrMapOvr>
+    <a:masterClrMapping/>
+  </p:clrMapOvr>
+  <p:timing>
+    <p:tnLst>
+      <p:par>
+        <p:cTn id="1" dur="indefinite" restart="never" nodeType="tmRoot"/>
+      </p:par>
+    </p:tnLst>
+  </p:timing>
+</p:sld>
+</file>
+
+<file path=ppt/slides/slide11.xml><?xml version="1.0" encoding="utf-8"?>
+<p:sld xmlns:a="http://schemas.openxmlformats.org/drawingml/2006/main" xmlns:r="http://schemas.openxmlformats.org/officeDocument/2006/relationships" xmlns:p="http://schemas.openxmlformats.org/presentationml/2006/main">
+  <p:cSld>
+    <p:spTree>
+      <p:nvGrpSpPr>
+        <p:cNvPr id="1" name=""/>
+        <p:cNvGrpSpPr/>
+        <p:nvPr/>
+      </p:nvGrpSpPr>
+      <p:grpSpPr>
+        <a:xfrm>
+          <a:off x="0" y="0"/>
+          <a:ext cx="0" cy="0"/>
+          <a:chOff x="0" y="0"/>
+          <a:chExt cx="0" cy="0"/>
+        </a:xfrm>
+      </p:grpSpPr>
+      <p:sp>
+        <p:nvSpPr>
+          <p:cNvPr id="2" name="Title 1"/>
+          <p:cNvSpPr>
+            <a:spLocks noGrp="1"/>
+          </p:cNvSpPr>
+          <p:nvPr>
+            <p:ph type="title"/>
+          </p:nvPr>
+        </p:nvSpPr>
+        <p:spPr>
+          <a:xfrm>
+            <a:off x="0" y="1"/>
+            <a:ext cx="12192000" cy="791570"/>
+          </a:xfrm>
+        </p:spPr>
+        <p:txBody>
+          <a:bodyPr>
+            <a:normAutofit/>
+          </a:bodyPr>
+          <a:lstStyle/>
+          <a:p>
+            <a:r>
+              <a:rPr lang="en-US" dirty="0"/>
+              <a:t>The Hive </a:t>
+            </a:r>
+            <a:r>
+              <a:rPr lang="en-US" dirty="0" smtClean="0"/>
+              <a:t>Command: CLI</a:t>
+            </a:r>
+            <a:endParaRPr lang="en-US" dirty="0"/>
+          </a:p>
+        </p:txBody>
+      </p:sp>
+      <p:sp>
+        <p:nvSpPr>
+          <p:cNvPr id="3" name="Content Placeholder 2"/>
+          <p:cNvSpPr>
+            <a:spLocks noGrp="1"/>
+          </p:cNvSpPr>
+          <p:nvPr>
+            <p:ph idx="1"/>
+          </p:nvPr>
+        </p:nvSpPr>
+        <p:spPr>
+          <a:xfrm>
+            <a:off x="457200" y="791570"/>
+            <a:ext cx="11734800" cy="6066430"/>
+          </a:xfrm>
+        </p:spPr>
+        <p:txBody>
+          <a:bodyPr>
+            <a:normAutofit fontScale="92500" lnSpcReduction="10000"/>
+          </a:bodyPr>
+          <a:lstStyle/>
+          <a:p>
+            <a:r>
+              <a:rPr lang="en-US" dirty="0"/>
+              <a:t>The $HIVE_HOME/bin/hive shell </a:t>
+            </a:r>
+            <a:r>
+              <a:rPr lang="en-US" dirty="0" smtClean="0"/>
+              <a:t>command </a:t>
+            </a:r>
+            <a:r>
+              <a:rPr lang="en-US" dirty="0"/>
+              <a:t>is the gateway to Hive </a:t>
+            </a:r>
+            <a:r>
+              <a:rPr lang="en-US" dirty="0" smtClean="0"/>
+              <a:t>services.</a:t>
+            </a:r>
+          </a:p>
+          <a:p>
+            <a:r>
+              <a:rPr lang="en-US" dirty="0"/>
+              <a:t>Command </a:t>
+            </a:r>
+            <a:r>
+              <a:rPr lang="en-US" dirty="0" smtClean="0"/>
+              <a:t>Options:</a:t>
+            </a:r>
+          </a:p>
+          <a:p>
+            <a:pPr lvl="1"/>
+            <a:r>
+              <a:rPr lang="en-US" dirty="0"/>
+              <a:t>$ bin/hive </a:t>
+            </a:r>
+            <a:r>
+              <a:rPr lang="en-US" dirty="0" smtClean="0"/>
+              <a:t>–help</a:t>
+            </a:r>
+          </a:p>
+          <a:p>
+            <a:pPr lvl="1"/>
+            <a:r>
+              <a:rPr lang="en-US" dirty="0"/>
+              <a:t>Service List: cli help </a:t>
+            </a:r>
+            <a:r>
+              <a:rPr lang="en-US" dirty="0" err="1"/>
+              <a:t>hiveserver</a:t>
+            </a:r>
+            <a:r>
+              <a:rPr lang="en-US" dirty="0"/>
+              <a:t> </a:t>
+            </a:r>
+            <a:r>
+              <a:rPr lang="en-US" dirty="0" err="1"/>
+              <a:t>hwi</a:t>
+            </a:r>
+            <a:r>
+              <a:rPr lang="en-US" dirty="0"/>
+              <a:t> jar lineage </a:t>
+            </a:r>
+            <a:r>
+              <a:rPr lang="en-US" dirty="0" err="1"/>
+              <a:t>metastore</a:t>
+            </a:r>
+            <a:r>
+              <a:rPr lang="en-US" dirty="0"/>
+              <a:t> </a:t>
+            </a:r>
+            <a:r>
+              <a:rPr lang="en-US" dirty="0" err="1" smtClean="0"/>
+              <a:t>rcfilecat</a:t>
+            </a:r>
+            <a:r>
+              <a:rPr lang="en-US" dirty="0" smtClean="0"/>
+              <a:t>.</a:t>
+            </a:r>
+          </a:p>
+          <a:p>
+            <a:r>
+              <a:rPr lang="en-US" dirty="0"/>
+              <a:t>There are several services </a:t>
+            </a:r>
+            <a:r>
+              <a:rPr lang="en-US" dirty="0" smtClean="0"/>
+              <a:t>available.</a:t>
+            </a:r>
+            <a:r>
+              <a:rPr lang="en-US" dirty="0"/>
+              <a:t> </a:t>
+            </a:r>
+            <a:endParaRPr lang="en-US" dirty="0" smtClean="0"/>
+          </a:p>
+          <a:p>
+            <a:r>
+              <a:rPr lang="en-US" dirty="0" smtClean="0"/>
+              <a:t>You </a:t>
+            </a:r>
+            <a:r>
+              <a:rPr lang="en-US" dirty="0"/>
+              <a:t>can invoke a service using the </a:t>
+            </a:r>
+            <a:r>
+              <a:rPr lang="en-US" sz="2400" dirty="0"/>
+              <a:t>--service </a:t>
+            </a:r>
+            <a:r>
+              <a:rPr lang="en-US" sz="2400" dirty="0" smtClean="0"/>
+              <a:t>name </a:t>
+            </a:r>
+            <a:r>
+              <a:rPr lang="en-US" dirty="0" smtClean="0"/>
+              <a:t>option</a:t>
+            </a:r>
+          </a:p>
+          <a:p>
+            <a:pPr lvl="1"/>
+            <a:r>
+              <a:rPr lang="en-US" dirty="0" smtClean="0"/>
+              <a:t>CLI -Used </a:t>
+            </a:r>
+            <a:r>
+              <a:rPr lang="en-US" dirty="0"/>
+              <a:t>to define tables, run queries, etc. It is the default </a:t>
+            </a:r>
+            <a:r>
+              <a:rPr lang="en-US" dirty="0" smtClean="0"/>
+              <a:t>service if </a:t>
+            </a:r>
+            <a:r>
+              <a:rPr lang="en-US" dirty="0"/>
+              <a:t>no other service is specified</a:t>
+            </a:r>
+            <a:r>
+              <a:rPr lang="en-US" dirty="0" smtClean="0"/>
+              <a:t>.</a:t>
+            </a:r>
+          </a:p>
+          <a:p>
+            <a:pPr lvl="1"/>
+            <a:r>
+              <a:rPr lang="en-US" dirty="0" err="1"/>
+              <a:t>hiveserver</a:t>
+            </a:r>
+            <a:r>
+              <a:rPr lang="en-US" dirty="0"/>
+              <a:t> </a:t>
+            </a:r>
+            <a:r>
+              <a:rPr lang="en-US" dirty="0" smtClean="0"/>
+              <a:t>- A </a:t>
+            </a:r>
+            <a:r>
+              <a:rPr lang="en-US" dirty="0"/>
+              <a:t>daemon that listens for Thrift connections from other </a:t>
+            </a:r>
+            <a:r>
+              <a:rPr lang="en-US" dirty="0" smtClean="0"/>
+              <a:t>pro-</a:t>
+            </a:r>
+            <a:r>
+              <a:rPr lang="en-US" dirty="0" err="1" smtClean="0"/>
+              <a:t>Cesses</a:t>
+            </a:r>
+            <a:endParaRPr lang="en-US" dirty="0" smtClean="0"/>
+          </a:p>
+          <a:p>
+            <a:pPr lvl="1"/>
+            <a:r>
+              <a:rPr lang="en-US" dirty="0" err="1"/>
+              <a:t>hwi</a:t>
+            </a:r>
+            <a:r>
+              <a:rPr lang="en-US" dirty="0"/>
+              <a:t> Hive Web Interface A simple web interface for running queries and other </a:t>
+            </a:r>
+            <a:r>
+              <a:rPr lang="en-US" dirty="0" smtClean="0"/>
+              <a:t>commands </a:t>
+            </a:r>
+            <a:r>
+              <a:rPr lang="en-US" dirty="0"/>
+              <a:t>without logging into a cluster machine </a:t>
+            </a:r>
+            <a:r>
+              <a:rPr lang="en-US" dirty="0" smtClean="0"/>
+              <a:t>or using the CLI.</a:t>
+            </a:r>
+          </a:p>
+          <a:p>
+            <a:pPr lvl="1"/>
+            <a:r>
+              <a:rPr lang="en-US" dirty="0" smtClean="0"/>
+              <a:t>Jar- An </a:t>
+            </a:r>
+            <a:r>
+              <a:rPr lang="en-US" dirty="0"/>
+              <a:t>extension of the </a:t>
+            </a:r>
+            <a:r>
+              <a:rPr lang="en-US" dirty="0" err="1"/>
+              <a:t>hadoop</a:t>
+            </a:r>
+            <a:r>
+              <a:rPr lang="en-US" dirty="0"/>
+              <a:t> jar </a:t>
+            </a:r>
+            <a:r>
+              <a:rPr lang="en-US" dirty="0" smtClean="0"/>
+              <a:t>command</a:t>
+            </a:r>
+          </a:p>
+          <a:p>
+            <a:pPr lvl="1"/>
+            <a:r>
+              <a:rPr lang="en-US" dirty="0" err="1"/>
+              <a:t>metastore</a:t>
+            </a:r>
+            <a:r>
+              <a:rPr lang="en-US" dirty="0"/>
+              <a:t> </a:t>
+            </a:r>
+            <a:r>
+              <a:rPr lang="en-US" dirty="0" smtClean="0"/>
+              <a:t>- service </a:t>
+            </a:r>
+            <a:r>
+              <a:rPr lang="en-US" dirty="0"/>
+              <a:t>to support </a:t>
+            </a:r>
+            <a:r>
+              <a:rPr lang="en-US" dirty="0" smtClean="0"/>
+              <a:t>multiple </a:t>
+            </a:r>
+            <a:r>
+              <a:rPr lang="en-US" dirty="0" err="1" smtClean="0"/>
+              <a:t>ClientsStart</a:t>
+            </a:r>
+            <a:r>
+              <a:rPr lang="en-US" dirty="0" smtClean="0"/>
+              <a:t> </a:t>
+            </a:r>
+            <a:r>
+              <a:rPr lang="en-US" dirty="0"/>
+              <a:t>an external Hive </a:t>
+            </a:r>
+            <a:r>
+              <a:rPr lang="en-US" i="1" dirty="0" err="1"/>
+              <a:t>metastore</a:t>
+            </a:r>
+            <a:r>
+              <a:rPr lang="en-US" dirty="0"/>
+              <a:t> </a:t>
+            </a:r>
+            <a:endParaRPr lang="en-US" dirty="0" smtClean="0"/>
+          </a:p>
+          <a:p>
+            <a:pPr lvl="1"/>
+            <a:r>
+              <a:rPr lang="en-US" dirty="0" err="1" smtClean="0"/>
+              <a:t>Rcfilecat</a:t>
+            </a:r>
+            <a:r>
+              <a:rPr lang="en-US" dirty="0" smtClean="0"/>
+              <a:t>- A </a:t>
+            </a:r>
+            <a:r>
+              <a:rPr lang="en-US" dirty="0"/>
+              <a:t>tool for printing the contents of an </a:t>
+            </a:r>
+            <a:r>
+              <a:rPr lang="en-US" dirty="0" err="1" smtClean="0"/>
+              <a:t>RCFile</a:t>
+            </a:r>
+            <a:endParaRPr lang="en-US" dirty="0" smtClean="0"/>
+          </a:p>
+          <a:p>
+            <a:r>
+              <a:rPr lang="en-US" dirty="0"/>
+              <a:t>The </a:t>
+            </a:r>
+            <a:r>
+              <a:rPr lang="en-US" u="sng" dirty="0"/>
+              <a:t>--</a:t>
+            </a:r>
+            <a:r>
+              <a:rPr lang="en-US" u="sng" dirty="0" err="1"/>
+              <a:t>config</a:t>
+            </a:r>
+            <a:r>
+              <a:rPr lang="en-US" dirty="0"/>
+              <a:t> </a:t>
+            </a:r>
+            <a:r>
+              <a:rPr lang="en-US" b="1" dirty="0"/>
+              <a:t>directory</a:t>
+            </a:r>
+            <a:r>
+              <a:rPr lang="en-US" dirty="0"/>
+              <a:t> is mostly useful if you have to override the default </a:t>
+            </a:r>
+            <a:r>
+              <a:rPr lang="en-US" dirty="0" smtClean="0"/>
+              <a:t>configuration properties </a:t>
+            </a:r>
+            <a:r>
+              <a:rPr lang="en-US" dirty="0"/>
+              <a:t>in $HIVE_HOME/</a:t>
+            </a:r>
+            <a:r>
+              <a:rPr lang="en-US" dirty="0" err="1"/>
+              <a:t>conf</a:t>
+            </a:r>
+            <a:r>
+              <a:rPr lang="en-US" dirty="0"/>
+              <a:t> in a new directory.</a:t>
+            </a:r>
+          </a:p>
+        </p:txBody>
+      </p:sp>
+    </p:spTree>
+    <p:extLst>
+      <p:ext uri="{BB962C8B-B14F-4D97-AF65-F5344CB8AC3E}">
+        <p14:creationId xmlns:p14="http://schemas.microsoft.com/office/powerpoint/2010/main" val="3001367062"/>
+      </p:ext>
+    </p:extLst>
+  </p:cSld>
+  <p:clrMapOvr>
+    <a:masterClrMapping/>
+  </p:clrMapOvr>
+  <p:timing>
+    <p:tnLst>
+      <p:par>
+        <p:cTn id="1" dur="indefinite" restart="never" nodeType="tmRoot"/>
+      </p:par>
+    </p:tnLst>
+  </p:timing>
+</p:sld>
+</file>
+
+<file path=ppt/slides/slide12.xml><?xml version="1.0" encoding="utf-8"?>
+<p:sld xmlns:a="http://schemas.openxmlformats.org/drawingml/2006/main" xmlns:r="http://schemas.openxmlformats.org/officeDocument/2006/relationships" xmlns:p="http://schemas.openxmlformats.org/presentationml/2006/main">
+  <p:cSld>
+    <p:spTree>
+      <p:nvGrpSpPr>
+        <p:cNvPr id="1" name=""/>
+        <p:cNvGrpSpPr/>
+        <p:nvPr/>
+      </p:nvGrpSpPr>
+      <p:grpSpPr>
+        <a:xfrm>
+          <a:off x="0" y="0"/>
+          <a:ext cx="0" cy="0"/>
+          <a:chOff x="0" y="0"/>
+          <a:chExt cx="0" cy="0"/>
+        </a:xfrm>
+      </p:grpSpPr>
+      <p:sp>
+        <p:nvSpPr>
+          <p:cNvPr id="2" name="Title 1"/>
+          <p:cNvSpPr>
+            <a:spLocks noGrp="1"/>
+          </p:cNvSpPr>
+          <p:nvPr>
+            <p:ph type="title"/>
+          </p:nvPr>
+        </p:nvSpPr>
+        <p:spPr>
+          <a:xfrm>
+            <a:off x="0" y="1"/>
+            <a:ext cx="12192000" cy="791570"/>
+          </a:xfrm>
+        </p:spPr>
+        <p:txBody>
+          <a:bodyPr>
+            <a:normAutofit/>
+          </a:bodyPr>
+          <a:lstStyle/>
+          <a:p>
+            <a:r>
+              <a:rPr lang="en-US" dirty="0"/>
+              <a:t>The Hive </a:t>
+            </a:r>
+            <a:r>
+              <a:rPr lang="en-US" dirty="0" smtClean="0"/>
+              <a:t>Command: CLI</a:t>
+            </a:r>
+            <a:endParaRPr lang="en-US" dirty="0"/>
+          </a:p>
+        </p:txBody>
+      </p:sp>
+      <p:sp>
+        <p:nvSpPr>
+          <p:cNvPr id="3" name="Content Placeholder 2"/>
+          <p:cNvSpPr>
+            <a:spLocks noGrp="1"/>
+          </p:cNvSpPr>
+          <p:nvPr>
+            <p:ph idx="1"/>
+          </p:nvPr>
+        </p:nvSpPr>
+        <p:spPr>
+          <a:xfrm>
+            <a:off x="457200" y="791570"/>
+            <a:ext cx="11734800" cy="6066430"/>
+          </a:xfrm>
+        </p:spPr>
+        <p:txBody>
+          <a:bodyPr>
+            <a:normAutofit lnSpcReduction="10000"/>
+          </a:bodyPr>
+          <a:lstStyle/>
+          <a:p>
+            <a:r>
+              <a:rPr lang="en-US" b="1" dirty="0"/>
+              <a:t>The Command-Line </a:t>
+            </a:r>
+            <a:r>
+              <a:rPr lang="en-US" b="1" dirty="0" smtClean="0"/>
+              <a:t>Interface:</a:t>
+            </a:r>
+          </a:p>
+          <a:p>
+            <a:pPr lvl="1"/>
+            <a:r>
+              <a:rPr lang="en-US" dirty="0" smtClean="0"/>
+              <a:t>The </a:t>
+            </a:r>
+            <a:r>
+              <a:rPr lang="en-US" i="1" dirty="0"/>
+              <a:t>command-line interface </a:t>
+            </a:r>
+            <a:r>
+              <a:rPr lang="en-US" dirty="0"/>
+              <a:t>or CLI is the most common way to interact with Hive</a:t>
+            </a:r>
+            <a:r>
+              <a:rPr lang="en-US" dirty="0" smtClean="0"/>
+              <a:t>.</a:t>
+            </a:r>
+          </a:p>
+          <a:p>
+            <a:pPr lvl="1"/>
+            <a:r>
+              <a:rPr lang="en-US" dirty="0"/>
+              <a:t>B</a:t>
+            </a:r>
+            <a:r>
+              <a:rPr lang="en-US" dirty="0" smtClean="0"/>
+              <a:t>rief </a:t>
+            </a:r>
+            <a:r>
+              <a:rPr lang="en-US" dirty="0"/>
+              <a:t>list of the options for the </a:t>
+            </a:r>
+            <a:r>
+              <a:rPr lang="en-US" dirty="0" smtClean="0"/>
+              <a:t>CLI</a:t>
+            </a:r>
+          </a:p>
+          <a:p>
+            <a:pPr lvl="1"/>
+            <a:r>
+              <a:rPr lang="en-US" dirty="0"/>
+              <a:t>$ hive --help --service </a:t>
+            </a:r>
+            <a:r>
+              <a:rPr lang="en-US" dirty="0" smtClean="0"/>
+              <a:t>cli</a:t>
+            </a:r>
+          </a:p>
+          <a:p>
+            <a:pPr lvl="1"/>
+            <a:r>
+              <a:rPr lang="en-US" dirty="0"/>
+              <a:t>-d,--define &lt;key=value&gt; </a:t>
+            </a:r>
+            <a:r>
+              <a:rPr lang="en-US" dirty="0" smtClean="0"/>
+              <a:t>	Variable substitution</a:t>
+            </a:r>
+          </a:p>
+          <a:p>
+            <a:pPr lvl="1"/>
+            <a:r>
+              <a:rPr lang="en-US" dirty="0"/>
+              <a:t>-e &lt;quoted-query-string&gt; </a:t>
+            </a:r>
+            <a:r>
+              <a:rPr lang="en-US" dirty="0" smtClean="0"/>
+              <a:t>	SQL </a:t>
+            </a:r>
+            <a:r>
+              <a:rPr lang="en-US" dirty="0"/>
+              <a:t>from command </a:t>
+            </a:r>
+            <a:r>
+              <a:rPr lang="en-US" dirty="0" smtClean="0"/>
+              <a:t>line</a:t>
+            </a:r>
+          </a:p>
+          <a:p>
+            <a:pPr lvl="1"/>
+            <a:r>
+              <a:rPr lang="en-US" dirty="0"/>
+              <a:t>-f &lt;filename&gt; </a:t>
+            </a:r>
+            <a:r>
+              <a:rPr lang="en-US" dirty="0" smtClean="0"/>
+              <a:t>			SQL </a:t>
+            </a:r>
+            <a:r>
+              <a:rPr lang="en-US" dirty="0"/>
+              <a:t>from </a:t>
+            </a:r>
+            <a:r>
+              <a:rPr lang="en-US" dirty="0" smtClean="0"/>
+              <a:t>files</a:t>
+            </a:r>
+          </a:p>
+          <a:p>
+            <a:pPr lvl="1"/>
+            <a:r>
+              <a:rPr lang="en-US" dirty="0"/>
+              <a:t>-h &lt;hostname&gt; </a:t>
+            </a:r>
+            <a:r>
+              <a:rPr lang="en-US" dirty="0" smtClean="0"/>
+              <a:t>			connecting </a:t>
+            </a:r>
+            <a:r>
+              <a:rPr lang="en-US" dirty="0"/>
+              <a:t>to Hive Server on remote </a:t>
+            </a:r>
+            <a:r>
+              <a:rPr lang="en-US" dirty="0" smtClean="0"/>
+              <a:t>host</a:t>
+            </a:r>
+          </a:p>
+          <a:p>
+            <a:pPr lvl="1"/>
+            <a:r>
+              <a:rPr lang="en-US" dirty="0"/>
+              <a:t>-</a:t>
+            </a:r>
+            <a:r>
+              <a:rPr lang="en-US" dirty="0" err="1"/>
+              <a:t>i</a:t>
+            </a:r>
+            <a:r>
+              <a:rPr lang="en-US" dirty="0"/>
+              <a:t> &lt;filename&gt; </a:t>
+            </a:r>
+            <a:r>
+              <a:rPr lang="en-US" dirty="0" smtClean="0"/>
+              <a:t>			Initialization </a:t>
+            </a:r>
+            <a:r>
+              <a:rPr lang="en-US" dirty="0"/>
+              <a:t>SQL </a:t>
+            </a:r>
+            <a:r>
+              <a:rPr lang="en-US" dirty="0" smtClean="0"/>
+              <a:t>file</a:t>
+            </a:r>
+          </a:p>
+          <a:p>
+            <a:pPr lvl="1"/>
+            <a:r>
+              <a:rPr lang="en-US" dirty="0"/>
+              <a:t>-p &lt;port&gt; </a:t>
+            </a:r>
+            <a:r>
+              <a:rPr lang="en-US" dirty="0" smtClean="0"/>
+              <a:t>	connecting </a:t>
+            </a:r>
+            <a:r>
+              <a:rPr lang="en-US" dirty="0"/>
+              <a:t>to Hive Server on port number</a:t>
+            </a:r>
+          </a:p>
+          <a:p>
+            <a:pPr lvl="1"/>
+            <a:r>
+              <a:rPr lang="en-US" dirty="0"/>
+              <a:t>-S,--silent </a:t>
+            </a:r>
+            <a:r>
+              <a:rPr lang="en-US" dirty="0" smtClean="0"/>
+              <a:t>	Silent </a:t>
+            </a:r>
+            <a:r>
+              <a:rPr lang="en-US" dirty="0"/>
+              <a:t>mode in interactive </a:t>
+            </a:r>
+            <a:r>
+              <a:rPr lang="en-US" dirty="0" smtClean="0"/>
+              <a:t>shell</a:t>
+            </a:r>
+          </a:p>
+          <a:p>
+            <a:pPr lvl="1"/>
+            <a:r>
+              <a:rPr lang="en-US" dirty="0"/>
+              <a:t>-v,--verbose </a:t>
+            </a:r>
+            <a:r>
+              <a:rPr lang="en-US" dirty="0" smtClean="0"/>
+              <a:t>	Verbose </a:t>
+            </a:r>
+            <a:r>
+              <a:rPr lang="en-US" dirty="0"/>
+              <a:t>mode (echo executed SQL to </a:t>
+            </a:r>
+            <a:r>
+              <a:rPr lang="en-US" dirty="0" smtClean="0"/>
+              <a:t>the console)</a:t>
+            </a:r>
+          </a:p>
+          <a:p>
+            <a:r>
+              <a:rPr lang="en-US" b="1" dirty="0"/>
+              <a:t>Variables and </a:t>
+            </a:r>
+            <a:r>
+              <a:rPr lang="en-US" b="1" dirty="0" smtClean="0"/>
+              <a:t>Properties:</a:t>
+            </a:r>
+          </a:p>
+          <a:p>
+            <a:pPr lvl="1"/>
+            <a:r>
+              <a:rPr lang="en-US" dirty="0"/>
+              <a:t>The --define key=value </a:t>
+            </a:r>
+            <a:r>
+              <a:rPr lang="en-US" dirty="0" smtClean="0"/>
+              <a:t>option - lets </a:t>
+            </a:r>
+            <a:r>
+              <a:rPr lang="en-US" dirty="0"/>
+              <a:t>you define on the command line custom variables that you can </a:t>
+            </a:r>
+            <a:r>
+              <a:rPr lang="en-US" dirty="0" smtClean="0"/>
+              <a:t>reference in </a:t>
+            </a:r>
+            <a:r>
+              <a:rPr lang="en-US" dirty="0"/>
+              <a:t>Hive scripts to customize execution</a:t>
+            </a:r>
+            <a:r>
+              <a:rPr lang="en-US" dirty="0" smtClean="0"/>
+              <a:t>.</a:t>
+            </a:r>
+          </a:p>
+          <a:p>
+            <a:pPr lvl="1"/>
+            <a:r>
+              <a:rPr lang="en-US" dirty="0"/>
+              <a:t>When you use this </a:t>
+            </a:r>
+            <a:r>
+              <a:rPr lang="en-US" dirty="0" smtClean="0"/>
+              <a:t>-define, </a:t>
+            </a:r>
+            <a:r>
+              <a:rPr lang="en-US" dirty="0"/>
+              <a:t>Hive puts the key-value pair in the </a:t>
+            </a:r>
+            <a:r>
+              <a:rPr lang="en-US" dirty="0" smtClean="0"/>
+              <a:t>“namespaces”</a:t>
+            </a:r>
+            <a:endParaRPr lang="en-US" dirty="0"/>
+          </a:p>
+        </p:txBody>
+      </p:sp>
+    </p:spTree>
+    <p:extLst>
+      <p:ext uri="{BB962C8B-B14F-4D97-AF65-F5344CB8AC3E}">
+        <p14:creationId xmlns:p14="http://schemas.microsoft.com/office/powerpoint/2010/main" val="1406764413"/>
+      </p:ext>
+    </p:extLst>
+  </p:cSld>
+  <p:clrMapOvr>
+    <a:masterClrMapping/>
+  </p:clrMapOvr>
+  <p:timing>
+    <p:tnLst>
+      <p:par>
+        <p:cTn id="1" dur="indefinite" restart="never" nodeType="tmRoot"/>
+      </p:par>
+    </p:tnLst>
+  </p:timing>
+</p:sld>
+</file>
+
+<file path=ppt/slides/slide13.xml><?xml version="1.0" encoding="utf-8"?>
+<p:sld xmlns:a="http://schemas.openxmlformats.org/drawingml/2006/main" xmlns:r="http://schemas.openxmlformats.org/officeDocument/2006/relationships" xmlns:p="http://schemas.openxmlformats.org/presentationml/2006/main">
+  <p:cSld>
+    <p:spTree>
+      <p:nvGrpSpPr>
+        <p:cNvPr id="1" name=""/>
+        <p:cNvGrpSpPr/>
+        <p:nvPr/>
+      </p:nvGrpSpPr>
+      <p:grpSpPr>
+        <a:xfrm>
+          <a:off x="0" y="0"/>
+          <a:ext cx="0" cy="0"/>
+          <a:chOff x="0" y="0"/>
+          <a:chExt cx="0" cy="0"/>
+        </a:xfrm>
+      </p:grpSpPr>
+      <p:sp>
+        <p:nvSpPr>
+          <p:cNvPr id="2" name="Title 1"/>
+          <p:cNvSpPr>
+            <a:spLocks noGrp="1"/>
+          </p:cNvSpPr>
+          <p:nvPr>
+            <p:ph type="title"/>
+          </p:nvPr>
+        </p:nvSpPr>
+        <p:spPr>
+          <a:xfrm>
+            <a:off x="0" y="1"/>
+            <a:ext cx="12192000" cy="791570"/>
+          </a:xfrm>
+        </p:spPr>
+        <p:txBody>
+          <a:bodyPr>
+            <a:normAutofit/>
+          </a:bodyPr>
+          <a:lstStyle/>
+          <a:p>
+            <a:r>
+              <a:rPr lang="en-US" dirty="0"/>
+              <a:t>The Hive </a:t>
+            </a:r>
+            <a:r>
+              <a:rPr lang="en-US" dirty="0" smtClean="0"/>
+              <a:t>Command: CLI</a:t>
+            </a:r>
+            <a:endParaRPr lang="en-US" dirty="0"/>
+          </a:p>
+        </p:txBody>
+      </p:sp>
+      <p:sp>
+        <p:nvSpPr>
+          <p:cNvPr id="3" name="Content Placeholder 2"/>
+          <p:cNvSpPr>
+            <a:spLocks noGrp="1"/>
+          </p:cNvSpPr>
+          <p:nvPr>
+            <p:ph idx="1"/>
+          </p:nvPr>
+        </p:nvSpPr>
+        <p:spPr>
+          <a:xfrm>
+            <a:off x="457200" y="791570"/>
+            <a:ext cx="11734800" cy="6066430"/>
+          </a:xfrm>
+        </p:spPr>
+        <p:txBody>
+          <a:bodyPr>
+            <a:normAutofit fontScale="92500"/>
+          </a:bodyPr>
+          <a:lstStyle/>
+          <a:p>
+            <a:r>
+              <a:rPr lang="en-US" b="1" dirty="0" smtClean="0"/>
+              <a:t>Variables </a:t>
+            </a:r>
+            <a:r>
+              <a:rPr lang="en-US" b="1" dirty="0"/>
+              <a:t>and </a:t>
+            </a:r>
+            <a:r>
+              <a:rPr lang="en-US" b="1" dirty="0" smtClean="0"/>
+              <a:t>Properties:</a:t>
+            </a:r>
+          </a:p>
+          <a:p>
+            <a:pPr lvl="1"/>
+            <a:r>
+              <a:rPr lang="en-US" i="1" dirty="0"/>
+              <a:t>Hive namespaces for variables and </a:t>
+            </a:r>
+            <a:r>
+              <a:rPr lang="en-US" i="1" dirty="0" smtClean="0"/>
+              <a:t>properties:</a:t>
+            </a:r>
+          </a:p>
+          <a:p>
+            <a:pPr lvl="1"/>
+            <a:r>
+              <a:rPr lang="en-US" sz="2000" dirty="0" err="1"/>
+              <a:t>hivevar</a:t>
+            </a:r>
+            <a:r>
+              <a:rPr lang="en-US" sz="2000" dirty="0"/>
+              <a:t> </a:t>
+            </a:r>
+            <a:r>
+              <a:rPr lang="en-US" sz="2000" dirty="0" smtClean="0"/>
+              <a:t>	Read/Write 	User-defined </a:t>
+            </a:r>
+            <a:r>
+              <a:rPr lang="en-US" sz="2000" dirty="0"/>
+              <a:t>custom variables.</a:t>
+            </a:r>
+          </a:p>
+          <a:p>
+            <a:pPr lvl="1"/>
+            <a:r>
+              <a:rPr lang="en-US" sz="2000" dirty="0" err="1"/>
+              <a:t>hiveconf</a:t>
+            </a:r>
+            <a:r>
+              <a:rPr lang="en-US" sz="2000" dirty="0"/>
+              <a:t> </a:t>
+            </a:r>
+            <a:r>
+              <a:rPr lang="en-US" sz="2000" dirty="0" smtClean="0"/>
+              <a:t>	Read/Write 	Hive-specific </a:t>
+            </a:r>
+            <a:r>
+              <a:rPr lang="en-US" sz="2000" dirty="0"/>
+              <a:t>configuration properties.</a:t>
+            </a:r>
+          </a:p>
+          <a:p>
+            <a:pPr lvl="1"/>
+            <a:r>
+              <a:rPr lang="en-US" sz="2000" dirty="0"/>
+              <a:t>system </a:t>
+            </a:r>
+            <a:r>
+              <a:rPr lang="en-US" sz="2000" dirty="0" smtClean="0"/>
+              <a:t>	Read/Write 	Configuration </a:t>
+            </a:r>
+            <a:r>
+              <a:rPr lang="en-US" sz="2000" dirty="0"/>
+              <a:t>properties defined by Java.</a:t>
+            </a:r>
+          </a:p>
+          <a:p>
+            <a:pPr lvl="1"/>
+            <a:r>
+              <a:rPr lang="en-US" sz="2000" dirty="0" err="1"/>
+              <a:t>env</a:t>
+            </a:r>
+            <a:r>
+              <a:rPr lang="en-US" sz="2000" dirty="0"/>
+              <a:t> </a:t>
+            </a:r>
+            <a:r>
+              <a:rPr lang="en-US" sz="2000" dirty="0" smtClean="0"/>
+              <a:t>	Read </a:t>
+            </a:r>
+            <a:r>
+              <a:rPr lang="en-US" sz="2000" dirty="0"/>
+              <a:t>only </a:t>
+            </a:r>
+            <a:r>
+              <a:rPr lang="en-US" sz="2000" dirty="0" smtClean="0"/>
+              <a:t>	Environment </a:t>
+            </a:r>
+            <a:r>
+              <a:rPr lang="en-US" sz="2000" dirty="0"/>
+              <a:t>variables defined by the shell environment (</a:t>
+            </a:r>
+            <a:r>
+              <a:rPr lang="en-US" sz="2000" dirty="0" err="1"/>
+              <a:t>e.g.,bash</a:t>
+            </a:r>
+            <a:r>
+              <a:rPr lang="en-US" sz="2000" dirty="0" smtClean="0"/>
+              <a:t>).</a:t>
+            </a:r>
+          </a:p>
+          <a:p>
+            <a:pPr lvl="1"/>
+            <a:r>
+              <a:rPr lang="en-US" dirty="0"/>
+              <a:t>Hive’s variables are internally stored as Java Strings. You can reference variables </a:t>
+            </a:r>
+            <a:r>
+              <a:rPr lang="en-US" dirty="0" smtClean="0"/>
+              <a:t>in queries.</a:t>
+            </a:r>
+          </a:p>
+          <a:p>
+            <a:pPr lvl="1"/>
+            <a:r>
+              <a:rPr lang="en-US" dirty="0"/>
+              <a:t>Hive replaces the reference with the variable’s value before sending the </a:t>
+            </a:r>
+            <a:r>
+              <a:rPr lang="en-US" dirty="0" smtClean="0"/>
+              <a:t>query 	to </a:t>
+            </a:r>
+            <a:r>
+              <a:rPr lang="en-US" dirty="0"/>
+              <a:t>the query processor</a:t>
+            </a:r>
+            <a:r>
+              <a:rPr lang="en-US" dirty="0" smtClean="0"/>
+              <a:t>.</a:t>
+            </a:r>
+          </a:p>
+          <a:p>
+            <a:pPr lvl="1"/>
+            <a:r>
+              <a:rPr lang="en-US" dirty="0" smtClean="0"/>
+              <a:t>Hive </a:t>
+            </a:r>
+            <a:r>
+              <a:rPr lang="en-US" dirty="0"/>
+              <a:t>variables are displayed and changed using the SET command</a:t>
+            </a:r>
+            <a:r>
+              <a:rPr lang="en-US" dirty="0" smtClean="0"/>
+              <a:t>.</a:t>
+            </a:r>
+          </a:p>
+          <a:p>
+            <a:pPr lvl="1"/>
+            <a:endParaRPr lang="en-US" dirty="0" smtClean="0"/>
+          </a:p>
+          <a:p>
+            <a:pPr lvl="1"/>
+            <a:r>
+              <a:rPr lang="en-US" dirty="0" smtClean="0"/>
+              <a:t>$ </a:t>
+            </a:r>
+            <a:r>
+              <a:rPr lang="en-US" dirty="0"/>
+              <a:t>hive</a:t>
+            </a:r>
+          </a:p>
+          <a:p>
+            <a:pPr lvl="1"/>
+            <a:r>
+              <a:rPr lang="en-US" dirty="0"/>
+              <a:t>hive&gt; set </a:t>
+            </a:r>
+            <a:r>
+              <a:rPr lang="en-US" dirty="0" err="1"/>
+              <a:t>env:HOME</a:t>
+            </a:r>
+            <a:r>
+              <a:rPr lang="en-US" dirty="0"/>
+              <a:t>;</a:t>
+            </a:r>
+          </a:p>
+          <a:p>
+            <a:pPr lvl="1"/>
+            <a:r>
+              <a:rPr lang="en-US" dirty="0" err="1"/>
+              <a:t>env:HOME</a:t>
+            </a:r>
+            <a:r>
+              <a:rPr lang="en-US" dirty="0"/>
+              <a:t>=/</a:t>
+            </a:r>
+            <a:r>
+              <a:rPr lang="en-US" dirty="0" smtClean="0"/>
+              <a:t>home/</a:t>
+            </a:r>
+            <a:r>
+              <a:rPr lang="en-US" dirty="0" err="1" smtClean="0"/>
+              <a:t>thisuser</a:t>
+            </a:r>
+            <a:endParaRPr lang="en-US" dirty="0" smtClean="0"/>
+          </a:p>
+          <a:p>
+            <a:pPr lvl="1"/>
+            <a:r>
+              <a:rPr lang="en-US" b="1" dirty="0"/>
+              <a:t>hive&gt; set</a:t>
+            </a:r>
+            <a:r>
+              <a:rPr lang="en-US" b="1" dirty="0" smtClean="0"/>
+              <a:t>; </a:t>
+            </a:r>
+            <a:r>
+              <a:rPr lang="en-US" sz="2000" dirty="0"/>
+              <a:t>set prints all the variables in the namespaces </a:t>
+            </a:r>
+            <a:r>
+              <a:rPr lang="en-US" sz="2000" dirty="0" err="1"/>
+              <a:t>hivevar</a:t>
+            </a:r>
+            <a:r>
+              <a:rPr lang="en-US" sz="2000" dirty="0"/>
+              <a:t>, </a:t>
+            </a:r>
+            <a:r>
+              <a:rPr lang="en-US" sz="2000" dirty="0" err="1"/>
+              <a:t>hiveconf,system</a:t>
+            </a:r>
+            <a:r>
+              <a:rPr lang="en-US" sz="2000" dirty="0"/>
+              <a:t>, and </a:t>
+            </a:r>
+            <a:r>
+              <a:rPr lang="en-US" sz="2000" dirty="0" err="1"/>
+              <a:t>env</a:t>
+            </a:r>
+            <a:r>
+              <a:rPr lang="en-US" dirty="0"/>
+              <a:t>.</a:t>
+            </a:r>
+            <a:endParaRPr lang="en-US" b="1" dirty="0" smtClean="0"/>
+          </a:p>
+          <a:p>
+            <a:pPr lvl="1"/>
+            <a:r>
+              <a:rPr lang="en-US" b="1" dirty="0"/>
+              <a:t>hive&gt; set -v</a:t>
+            </a:r>
+            <a:r>
+              <a:rPr lang="en-US" b="1" dirty="0" smtClean="0"/>
+              <a:t>; </a:t>
+            </a:r>
+            <a:r>
+              <a:rPr lang="en-US" dirty="0"/>
+              <a:t>prints all the properties defined by Hadoop</a:t>
+            </a:r>
+            <a:r>
+              <a:rPr lang="en-US" dirty="0" smtClean="0"/>
+              <a:t>, such </a:t>
+            </a:r>
+            <a:r>
+              <a:rPr lang="en-US" dirty="0"/>
+              <a:t>as properties controlling HDFS and </a:t>
+            </a:r>
+            <a:r>
+              <a:rPr lang="en-US" dirty="0" smtClean="0"/>
+              <a:t>MR.</a:t>
+            </a:r>
+            <a:endParaRPr lang="en-US" b="1" dirty="0"/>
+          </a:p>
+        </p:txBody>
+      </p:sp>
+    </p:spTree>
+    <p:extLst>
+      <p:ext uri="{BB962C8B-B14F-4D97-AF65-F5344CB8AC3E}">
+        <p14:creationId xmlns:p14="http://schemas.microsoft.com/office/powerpoint/2010/main" val="2672270365"/>
+      </p:ext>
+    </p:extLst>
+  </p:cSld>
+  <p:clrMapOvr>
+    <a:masterClrMapping/>
+  </p:clrMapOvr>
+  <p:timing>
+    <p:tnLst>
+      <p:par>
+        <p:cTn id="1" dur="indefinite" restart="never" nodeType="tmRoot"/>
+      </p:par>
+    </p:tnLst>
+  </p:timing>
+</p:sld>
+</file>
+
+<file path=ppt/slides/slide14.xml><?xml version="1.0" encoding="utf-8"?>
+<p:sld xmlns:a="http://schemas.openxmlformats.org/drawingml/2006/main" xmlns:r="http://schemas.openxmlformats.org/officeDocument/2006/relationships" xmlns:p="http://schemas.openxmlformats.org/presentationml/2006/main">
+  <p:cSld>
+    <p:spTree>
+      <p:nvGrpSpPr>
+        <p:cNvPr id="1" name=""/>
+        <p:cNvGrpSpPr/>
+        <p:nvPr/>
+      </p:nvGrpSpPr>
+      <p:grpSpPr>
+        <a:xfrm>
+          <a:off x="0" y="0"/>
+          <a:ext cx="0" cy="0"/>
+          <a:chOff x="0" y="0"/>
+          <a:chExt cx="0" cy="0"/>
+        </a:xfrm>
+      </p:grpSpPr>
+      <p:sp>
+        <p:nvSpPr>
+          <p:cNvPr id="2" name="Title 1"/>
+          <p:cNvSpPr>
+            <a:spLocks noGrp="1"/>
+          </p:cNvSpPr>
+          <p:nvPr>
+            <p:ph type="title"/>
+          </p:nvPr>
+        </p:nvSpPr>
+        <p:spPr>
+          <a:xfrm>
+            <a:off x="0" y="1"/>
+            <a:ext cx="12192000" cy="791570"/>
+          </a:xfrm>
+        </p:spPr>
+        <p:txBody>
+          <a:bodyPr>
+            <a:normAutofit/>
+          </a:bodyPr>
+          <a:lstStyle/>
+          <a:p>
+            <a:r>
+              <a:rPr lang="en-US" dirty="0"/>
+              <a:t>The Hive </a:t>
+            </a:r>
+            <a:r>
+              <a:rPr lang="en-US" dirty="0" smtClean="0"/>
+              <a:t>Command: CLI</a:t>
+            </a:r>
+            <a:endParaRPr lang="en-US" dirty="0"/>
+          </a:p>
+        </p:txBody>
+      </p:sp>
+      <p:sp>
+        <p:nvSpPr>
+          <p:cNvPr id="3" name="Content Placeholder 2"/>
+          <p:cNvSpPr>
+            <a:spLocks noGrp="1"/>
+          </p:cNvSpPr>
+          <p:nvPr>
+            <p:ph idx="1"/>
+          </p:nvPr>
+        </p:nvSpPr>
+        <p:spPr>
+          <a:xfrm>
+            <a:off x="457200" y="791570"/>
+            <a:ext cx="11734800" cy="6066430"/>
+          </a:xfrm>
+        </p:spPr>
+        <p:txBody>
+          <a:bodyPr>
+            <a:normAutofit fontScale="77500" lnSpcReduction="20000"/>
+          </a:bodyPr>
+          <a:lstStyle/>
+          <a:p>
+            <a:r>
+              <a:rPr lang="en-US" b="1" dirty="0" smtClean="0"/>
+              <a:t>Variables and Properties:</a:t>
+            </a:r>
+          </a:p>
+          <a:p>
+            <a:pPr lvl="1"/>
+            <a:r>
+              <a:rPr lang="en-US" dirty="0" smtClean="0"/>
+              <a:t>Set – also defines </a:t>
+            </a:r>
+            <a:r>
+              <a:rPr lang="en-US" dirty="0" err="1" smtClean="0"/>
+              <a:t>variables,alters</a:t>
+            </a:r>
+            <a:r>
+              <a:rPr lang="en-US" dirty="0" smtClean="0"/>
+              <a:t> existing variables.(just like –define)</a:t>
+            </a:r>
+          </a:p>
+          <a:p>
+            <a:pPr lvl="1"/>
+            <a:r>
+              <a:rPr lang="en-US" dirty="0" smtClean="0"/>
+              <a:t>set </a:t>
+            </a:r>
+            <a:r>
+              <a:rPr lang="en-US" dirty="0" err="1"/>
+              <a:t>hivevar:foo</a:t>
+            </a:r>
+            <a:r>
+              <a:rPr lang="en-US" dirty="0" smtClean="0"/>
+              <a:t>;  - </a:t>
+            </a:r>
+            <a:r>
+              <a:rPr lang="en-US" dirty="0" err="1" smtClean="0"/>
+              <a:t>def</a:t>
+            </a:r>
+            <a:r>
+              <a:rPr lang="en-US" dirty="0" smtClean="0"/>
+              <a:t> name space is </a:t>
+            </a:r>
+            <a:r>
+              <a:rPr lang="en-US" dirty="0" err="1" smtClean="0"/>
+              <a:t>hivevar</a:t>
+            </a:r>
+            <a:r>
+              <a:rPr lang="en-US" dirty="0" smtClean="0"/>
+              <a:t>, prefix is optional</a:t>
+            </a:r>
+          </a:p>
+          <a:p>
+            <a:pPr lvl="1"/>
+            <a:r>
+              <a:rPr lang="en-US" dirty="0" smtClean="0"/>
+              <a:t>Variable </a:t>
+            </a:r>
+            <a:r>
+              <a:rPr lang="en-US" dirty="0"/>
+              <a:t>references in queries are replaced in the CLI before the query is sent to </a:t>
+            </a:r>
+            <a:r>
+              <a:rPr lang="en-US" dirty="0" smtClean="0"/>
+              <a:t>the query </a:t>
+            </a:r>
+            <a:r>
+              <a:rPr lang="en-US" dirty="0"/>
+              <a:t>processor.</a:t>
+            </a:r>
+            <a:endParaRPr lang="en-US" dirty="0" smtClean="0"/>
+          </a:p>
+          <a:p>
+            <a:pPr lvl="1"/>
+            <a:r>
+              <a:rPr lang="en-US" dirty="0"/>
+              <a:t>hive&gt; create table toss1(</a:t>
+            </a:r>
+            <a:r>
+              <a:rPr lang="en-US" dirty="0" err="1"/>
+              <a:t>i</a:t>
+            </a:r>
+            <a:r>
+              <a:rPr lang="en-US" dirty="0"/>
+              <a:t> </a:t>
+            </a:r>
+            <a:r>
+              <a:rPr lang="en-US" dirty="0" err="1"/>
+              <a:t>int</a:t>
+            </a:r>
+            <a:r>
+              <a:rPr lang="en-US" dirty="0"/>
+              <a:t>, </a:t>
+            </a:r>
+            <a:r>
+              <a:rPr lang="en-US" b="1" dirty="0"/>
+              <a:t>${</a:t>
+            </a:r>
+            <a:r>
+              <a:rPr lang="en-US" dirty="0" err="1"/>
+              <a:t>hivevar:foo</a:t>
+            </a:r>
+            <a:r>
+              <a:rPr lang="en-US" b="1" dirty="0"/>
+              <a:t>} </a:t>
+            </a:r>
+            <a:r>
+              <a:rPr lang="en-US" dirty="0"/>
+              <a:t>string</a:t>
+            </a:r>
+            <a:r>
+              <a:rPr lang="en-US" dirty="0" smtClean="0"/>
+              <a:t>);</a:t>
+            </a:r>
+          </a:p>
+          <a:p>
+            <a:pPr lvl="1"/>
+            <a:r>
+              <a:rPr lang="en-US" dirty="0"/>
+              <a:t>hive&gt; create table toss1(</a:t>
+            </a:r>
+            <a:r>
+              <a:rPr lang="en-US" dirty="0" err="1"/>
+              <a:t>i</a:t>
+            </a:r>
+            <a:r>
+              <a:rPr lang="en-US" dirty="0"/>
+              <a:t> </a:t>
+            </a:r>
+            <a:r>
+              <a:rPr lang="en-US" dirty="0" err="1"/>
+              <a:t>int</a:t>
+            </a:r>
+            <a:r>
+              <a:rPr lang="en-US" dirty="0"/>
+              <a:t>, </a:t>
+            </a:r>
+            <a:r>
+              <a:rPr lang="en-US" b="1" dirty="0" smtClean="0"/>
+              <a:t>${</a:t>
+            </a:r>
+            <a:r>
+              <a:rPr lang="en-US" dirty="0" smtClean="0"/>
+              <a:t>foo</a:t>
+            </a:r>
+            <a:r>
+              <a:rPr lang="en-US" b="1" dirty="0"/>
+              <a:t>} </a:t>
+            </a:r>
+            <a:r>
+              <a:rPr lang="en-US" dirty="0"/>
+              <a:t>string</a:t>
+            </a:r>
+            <a:r>
+              <a:rPr lang="en-US" dirty="0" smtClean="0"/>
+              <a:t>);</a:t>
+            </a:r>
+          </a:p>
+          <a:p>
+            <a:r>
+              <a:rPr lang="en-US" dirty="0" smtClean="0"/>
+              <a:t>--</a:t>
+            </a:r>
+            <a:r>
+              <a:rPr lang="en-US" b="1" dirty="0" err="1" smtClean="0"/>
+              <a:t>hiveconf</a:t>
+            </a:r>
+            <a:r>
+              <a:rPr lang="en-US" dirty="0" smtClean="0"/>
+              <a:t> – change hive configuration</a:t>
+            </a:r>
+          </a:p>
+          <a:p>
+            <a:pPr lvl="1"/>
+            <a:r>
+              <a:rPr lang="en-US" dirty="0"/>
+              <a:t>Hive --</a:t>
+            </a:r>
+            <a:r>
+              <a:rPr lang="en-US" dirty="0" err="1"/>
+              <a:t>hiveconf</a:t>
+            </a:r>
+            <a:r>
+              <a:rPr lang="en-US" dirty="0"/>
+              <a:t> </a:t>
+            </a:r>
+            <a:r>
+              <a:rPr lang="en-US" dirty="0" smtClean="0"/>
+              <a:t> </a:t>
+            </a:r>
+            <a:r>
+              <a:rPr lang="en-US" dirty="0" err="1" smtClean="0"/>
+              <a:t>hive.cli.print.current.db</a:t>
+            </a:r>
+            <a:r>
+              <a:rPr lang="en-US" dirty="0" smtClean="0"/>
+              <a:t>=true  or in hive prompt, using set.</a:t>
+            </a:r>
+          </a:p>
+          <a:p>
+            <a:pPr lvl="1"/>
+            <a:r>
+              <a:rPr lang="en-US" dirty="0" smtClean="0"/>
+              <a:t>Hive&gt;</a:t>
+            </a:r>
+            <a:r>
+              <a:rPr lang="en-US" dirty="0" smtClean="0"/>
+              <a:t> </a:t>
+            </a:r>
+            <a:r>
+              <a:rPr lang="en-US" dirty="0"/>
+              <a:t>set </a:t>
+            </a:r>
+            <a:r>
+              <a:rPr lang="en-US" u="sng" dirty="0" err="1" smtClean="0"/>
+              <a:t>hiveconf</a:t>
+            </a:r>
+            <a:r>
+              <a:rPr lang="en-US" dirty="0" err="1" smtClean="0"/>
+              <a:t>:hive.cli.print.current.db</a:t>
+            </a:r>
+            <a:r>
+              <a:rPr lang="en-US" dirty="0" smtClean="0"/>
+              <a:t>=true;</a:t>
+            </a:r>
+          </a:p>
+          <a:p>
+            <a:pPr lvl="1"/>
+            <a:r>
+              <a:rPr lang="en-US" dirty="0"/>
+              <a:t>We can even add new </a:t>
+            </a:r>
+            <a:r>
+              <a:rPr lang="en-US" dirty="0" err="1"/>
+              <a:t>hiveconf</a:t>
+            </a:r>
+            <a:r>
+              <a:rPr lang="en-US" dirty="0"/>
+              <a:t> </a:t>
+            </a:r>
+            <a:r>
+              <a:rPr lang="en-US" dirty="0" smtClean="0"/>
+              <a:t>entries $</a:t>
+            </a:r>
+            <a:r>
+              <a:rPr lang="en-US" dirty="0"/>
+              <a:t> hive --</a:t>
+            </a:r>
+            <a:r>
+              <a:rPr lang="en-US" dirty="0" err="1"/>
+              <a:t>hiveconf</a:t>
+            </a:r>
+            <a:r>
+              <a:rPr lang="en-US" dirty="0"/>
+              <a:t> </a:t>
+            </a:r>
+            <a:r>
+              <a:rPr lang="en-US" dirty="0" smtClean="0"/>
+              <a:t>y=5</a:t>
+            </a:r>
+          </a:p>
+          <a:p>
+            <a:pPr lvl="1"/>
+            <a:r>
+              <a:rPr lang="en-US" dirty="0"/>
+              <a:t>hive&gt; SELECT * FROM whatsit WHERE </a:t>
+            </a:r>
+            <a:r>
+              <a:rPr lang="en-US" dirty="0" err="1"/>
+              <a:t>i</a:t>
+            </a:r>
+            <a:r>
+              <a:rPr lang="en-US" dirty="0"/>
+              <a:t> = </a:t>
+            </a:r>
+            <a:r>
+              <a:rPr lang="en-US" b="1" dirty="0"/>
+              <a:t>${</a:t>
+            </a:r>
+            <a:r>
+              <a:rPr lang="en-US" dirty="0" err="1"/>
+              <a:t>hiveconf:y</a:t>
+            </a:r>
+            <a:r>
+              <a:rPr lang="en-US" b="1" dirty="0" smtClean="0"/>
+              <a:t>}</a:t>
+            </a:r>
+            <a:r>
+              <a:rPr lang="en-US" dirty="0" smtClean="0"/>
+              <a:t>;</a:t>
+            </a:r>
+          </a:p>
+          <a:p>
+            <a:r>
+              <a:rPr lang="en-US" sz="2400" b="1" dirty="0" smtClean="0"/>
+              <a:t>System</a:t>
+            </a:r>
+            <a:r>
+              <a:rPr lang="en-US" sz="2400" dirty="0" smtClean="0"/>
+              <a:t> - </a:t>
+            </a:r>
+            <a:r>
+              <a:rPr lang="en-US" dirty="0" smtClean="0"/>
+              <a:t>namespace</a:t>
+            </a:r>
+          </a:p>
+          <a:p>
+            <a:pPr lvl="1"/>
+            <a:r>
+              <a:rPr lang="en-US" dirty="0" smtClean="0"/>
+              <a:t>which </a:t>
+            </a:r>
+            <a:r>
+              <a:rPr lang="en-US" dirty="0"/>
+              <a:t>provides read-write </a:t>
+            </a:r>
+            <a:r>
+              <a:rPr lang="en-US" dirty="0" smtClean="0"/>
+              <a:t>access to </a:t>
+            </a:r>
+            <a:r>
+              <a:rPr lang="en-US" dirty="0"/>
+              <a:t>Java system </a:t>
+            </a:r>
+            <a:r>
+              <a:rPr lang="en-US" dirty="0" smtClean="0"/>
+              <a:t>properties.</a:t>
+            </a:r>
+          </a:p>
+          <a:p>
+            <a:pPr lvl="1"/>
+            <a:r>
+              <a:rPr lang="en-US" dirty="0"/>
+              <a:t>hive&gt; set </a:t>
+            </a:r>
+            <a:r>
+              <a:rPr lang="en-US" dirty="0" err="1"/>
+              <a:t>system:user.name</a:t>
+            </a:r>
+            <a:r>
+              <a:rPr lang="en-US" dirty="0"/>
+              <a:t>;</a:t>
+            </a:r>
+          </a:p>
+          <a:p>
+            <a:pPr lvl="1"/>
+            <a:r>
+              <a:rPr lang="en-US" dirty="0" err="1"/>
+              <a:t>system:user.name</a:t>
+            </a:r>
+            <a:r>
+              <a:rPr lang="en-US" dirty="0"/>
+              <a:t>=</a:t>
+            </a:r>
+            <a:r>
+              <a:rPr lang="en-US" dirty="0" err="1"/>
+              <a:t>myusername</a:t>
+            </a:r>
+            <a:endParaRPr lang="en-US" dirty="0" smtClean="0"/>
+          </a:p>
+          <a:p>
+            <a:r>
+              <a:rPr lang="en-US" sz="2800" b="1" dirty="0" err="1" smtClean="0"/>
+              <a:t>Env</a:t>
+            </a:r>
+            <a:r>
+              <a:rPr lang="en-US" sz="2800" b="1" dirty="0" smtClean="0"/>
+              <a:t> </a:t>
+            </a:r>
+            <a:r>
+              <a:rPr lang="en-US" dirty="0" smtClean="0"/>
+              <a:t>– namespace	</a:t>
+            </a:r>
+          </a:p>
+          <a:p>
+            <a:pPr lvl="1"/>
+            <a:r>
+              <a:rPr lang="en-US" dirty="0" smtClean="0"/>
+              <a:t>which </a:t>
+            </a:r>
+            <a:r>
+              <a:rPr lang="en-US" dirty="0"/>
+              <a:t>provides read-only access </a:t>
+            </a:r>
+            <a:r>
+              <a:rPr lang="en-US" dirty="0" smtClean="0"/>
+              <a:t>to environment </a:t>
+            </a:r>
+            <a:r>
+              <a:rPr lang="en-US" dirty="0"/>
+              <a:t>variables</a:t>
+            </a:r>
+            <a:r>
+              <a:rPr lang="en-US" dirty="0" smtClean="0"/>
+              <a:t>:</a:t>
+            </a:r>
+          </a:p>
+          <a:p>
+            <a:pPr lvl="1"/>
+            <a:r>
+              <a:rPr lang="en-US" dirty="0"/>
+              <a:t>hive&gt; set </a:t>
+            </a:r>
+            <a:r>
+              <a:rPr lang="en-US" dirty="0" err="1"/>
+              <a:t>env:HOME</a:t>
+            </a:r>
+            <a:r>
+              <a:rPr lang="en-US" dirty="0" smtClean="0"/>
+              <a:t>;</a:t>
+            </a:r>
+          </a:p>
+          <a:p>
+            <a:pPr lvl="1"/>
+            <a:r>
+              <a:rPr lang="en-US" dirty="0"/>
+              <a:t>hive&gt; set </a:t>
+            </a:r>
+            <a:r>
+              <a:rPr lang="en-US" dirty="0" err="1" smtClean="0"/>
+              <a:t>env:HOME</a:t>
+            </a:r>
+            <a:r>
+              <a:rPr lang="en-US" dirty="0" smtClean="0"/>
+              <a:t>=/</a:t>
+            </a:r>
+            <a:r>
+              <a:rPr lang="en-US" dirty="0" err="1" smtClean="0"/>
+              <a:t>abc</a:t>
+            </a:r>
+            <a:r>
+              <a:rPr lang="en-US" dirty="0" smtClean="0"/>
+              <a:t>  - </a:t>
+            </a:r>
+            <a:r>
+              <a:rPr lang="en-US" dirty="0" err="1"/>
+              <a:t>env</a:t>
+            </a:r>
+            <a:r>
+              <a:rPr lang="en-US" dirty="0"/>
+              <a:t>:* variables can not be set</a:t>
+            </a:r>
+            <a:r>
+              <a:rPr lang="en-US" dirty="0" smtClean="0"/>
+              <a:t>.</a:t>
+            </a:r>
+          </a:p>
+          <a:p>
+            <a:r>
+              <a:rPr lang="en-US" dirty="0"/>
+              <a:t>you have to use the system: or </a:t>
+            </a:r>
+            <a:r>
+              <a:rPr lang="en-US" dirty="0" err="1"/>
+              <a:t>env</a:t>
+            </a:r>
+            <a:r>
+              <a:rPr lang="en-US" dirty="0"/>
+              <a:t>: prefix with system </a:t>
+            </a:r>
+            <a:r>
+              <a:rPr lang="en-US" dirty="0" smtClean="0"/>
+              <a:t>properties and </a:t>
+            </a:r>
+            <a:r>
+              <a:rPr lang="en-US" dirty="0"/>
+              <a:t>environment variables.</a:t>
+            </a:r>
+            <a:endParaRPr lang="en-US" dirty="0" smtClean="0"/>
+          </a:p>
+        </p:txBody>
+      </p:sp>
+    </p:spTree>
+    <p:extLst>
+      <p:ext uri="{BB962C8B-B14F-4D97-AF65-F5344CB8AC3E}">
+        <p14:creationId xmlns:p14="http://schemas.microsoft.com/office/powerpoint/2010/main" val="812082299"/>
+      </p:ext>
+    </p:extLst>
+  </p:cSld>
+  <p:clrMapOvr>
+    <a:masterClrMapping/>
+  </p:clrMapOvr>
+  <p:timing>
+    <p:tnLst>
+      <p:par>
+        <p:cTn id="1" dur="indefinite" restart="never" nodeType="tmRoot"/>
+      </p:par>
+    </p:tnLst>
+  </p:timing>
+</p:sld>
+</file>
+
+<file path=ppt/slides/slide15.xml><?xml version="1.0" encoding="utf-8"?>
+<p:sld xmlns:a="http://schemas.openxmlformats.org/drawingml/2006/main" xmlns:r="http://schemas.openxmlformats.org/officeDocument/2006/relationships" xmlns:p="http://schemas.openxmlformats.org/presentationml/2006/main">
+  <p:cSld>
+    <p:spTree>
+      <p:nvGrpSpPr>
+        <p:cNvPr id="1" name=""/>
+        <p:cNvGrpSpPr/>
+        <p:nvPr/>
+      </p:nvGrpSpPr>
+      <p:grpSpPr>
+        <a:xfrm>
+          <a:off x="0" y="0"/>
+          <a:ext cx="0" cy="0"/>
+          <a:chOff x="0" y="0"/>
+          <a:chExt cx="0" cy="0"/>
+        </a:xfrm>
+      </p:grpSpPr>
+      <p:sp>
+        <p:nvSpPr>
+          <p:cNvPr id="2" name="Title 1"/>
+          <p:cNvSpPr>
+            <a:spLocks noGrp="1"/>
+          </p:cNvSpPr>
+          <p:nvPr>
+            <p:ph type="title"/>
+          </p:nvPr>
+        </p:nvSpPr>
+        <p:spPr>
+          <a:xfrm>
+            <a:off x="0" y="1"/>
+            <a:ext cx="12192000" cy="791570"/>
+          </a:xfrm>
+        </p:spPr>
+        <p:txBody>
+          <a:bodyPr>
+            <a:normAutofit/>
+          </a:bodyPr>
+          <a:lstStyle/>
+          <a:p>
+            <a:r>
+              <a:rPr lang="en-US" dirty="0"/>
+              <a:t>The Hive </a:t>
+            </a:r>
+            <a:r>
+              <a:rPr lang="en-US" dirty="0" smtClean="0"/>
+              <a:t>Command: CLI</a:t>
+            </a:r>
+            <a:endParaRPr lang="en-US" dirty="0"/>
+          </a:p>
+        </p:txBody>
+      </p:sp>
+      <p:sp>
+        <p:nvSpPr>
+          <p:cNvPr id="3" name="Content Placeholder 2"/>
+          <p:cNvSpPr>
+            <a:spLocks noGrp="1"/>
+          </p:cNvSpPr>
+          <p:nvPr>
+            <p:ph idx="1"/>
+          </p:nvPr>
+        </p:nvSpPr>
+        <p:spPr>
+          <a:xfrm>
+            <a:off x="457200" y="791570"/>
+            <a:ext cx="11734800" cy="6066430"/>
+          </a:xfrm>
+        </p:spPr>
+        <p:txBody>
+          <a:bodyPr>
+            <a:normAutofit lnSpcReduction="10000"/>
+          </a:bodyPr>
+          <a:lstStyle/>
+          <a:p>
+            <a:r>
+              <a:rPr lang="en-US" dirty="0"/>
+              <a:t>All of Hive’s built-in properties are listed in </a:t>
+            </a:r>
+            <a:endParaRPr lang="en-US" dirty="0" smtClean="0"/>
+          </a:p>
+          <a:p>
+            <a:pPr lvl="1"/>
+            <a:r>
+              <a:rPr lang="en-US" dirty="0" smtClean="0"/>
+              <a:t>$HIVE_HOME/</a:t>
+            </a:r>
+            <a:r>
+              <a:rPr lang="en-US" dirty="0" err="1" smtClean="0"/>
+              <a:t>conf</a:t>
+            </a:r>
+            <a:r>
+              <a:rPr lang="en-US" dirty="0" smtClean="0"/>
+              <a:t>/</a:t>
+            </a:r>
+            <a:r>
+              <a:rPr lang="en-US" dirty="0" err="1" smtClean="0"/>
+              <a:t>hivedefault.xml.template</a:t>
+            </a:r>
+            <a:r>
+              <a:rPr lang="en-US" dirty="0"/>
+              <a:t>, the “sample” configuration file</a:t>
+            </a:r>
+            <a:r>
+              <a:rPr lang="en-US" dirty="0" smtClean="0"/>
+              <a:t>.</a:t>
+            </a:r>
+          </a:p>
+          <a:p>
+            <a:r>
+              <a:rPr lang="en-US" b="1" dirty="0" smtClean="0"/>
+              <a:t>Hive single line commands:</a:t>
+            </a:r>
+          </a:p>
+          <a:p>
+            <a:pPr lvl="1"/>
+            <a:r>
+              <a:rPr lang="en-US" dirty="0" smtClean="0"/>
+              <a:t>Run the query and leave hive CLI immediately after completion by </a:t>
+            </a:r>
+            <a:r>
+              <a:rPr lang="en-US" b="1" u="sng" dirty="0" smtClean="0"/>
+              <a:t>–e</a:t>
+            </a:r>
+            <a:r>
+              <a:rPr lang="en-US" dirty="0" smtClean="0"/>
+              <a:t> option.</a:t>
+            </a:r>
+          </a:p>
+          <a:p>
+            <a:pPr lvl="1"/>
+            <a:r>
+              <a:rPr lang="en-US" dirty="0"/>
+              <a:t>$ hive -e "SELECT * FROM </a:t>
+            </a:r>
+            <a:r>
+              <a:rPr lang="en-US" dirty="0" err="1"/>
+              <a:t>mytable</a:t>
+            </a:r>
+            <a:r>
+              <a:rPr lang="en-US" dirty="0"/>
+              <a:t> LIMIT 3</a:t>
+            </a:r>
+            <a:r>
+              <a:rPr lang="en-US" dirty="0" smtClean="0"/>
+              <a:t>";</a:t>
+            </a:r>
+          </a:p>
+          <a:p>
+            <a:pPr lvl="1"/>
+            <a:r>
+              <a:rPr lang="en-US" dirty="0" smtClean="0"/>
+              <a:t>Silent mode does not print OK, and time taken messages, used for storing output of query result into file.</a:t>
+            </a:r>
+          </a:p>
+          <a:p>
+            <a:pPr lvl="1"/>
+            <a:r>
+              <a:rPr lang="en-US" dirty="0"/>
+              <a:t>$ hive -S -e "select * FROM </a:t>
+            </a:r>
+            <a:r>
+              <a:rPr lang="en-US" dirty="0" err="1"/>
+              <a:t>mytable</a:t>
+            </a:r>
+            <a:r>
+              <a:rPr lang="en-US" dirty="0"/>
+              <a:t> LIMIT 3" &gt; /</a:t>
+            </a:r>
+            <a:r>
+              <a:rPr lang="en-US" dirty="0" err="1" smtClean="0"/>
+              <a:t>tmp</a:t>
+            </a:r>
+            <a:r>
+              <a:rPr lang="en-US" dirty="0" smtClean="0"/>
+              <a:t>/</a:t>
+            </a:r>
+            <a:r>
+              <a:rPr lang="en-US" dirty="0" err="1" smtClean="0"/>
+              <a:t>myquery</a:t>
+            </a:r>
+            <a:endParaRPr lang="en-US" dirty="0" smtClean="0"/>
+          </a:p>
+          <a:p>
+            <a:pPr lvl="1"/>
+            <a:r>
+              <a:rPr lang="en-US" dirty="0" smtClean="0"/>
+              <a:t>To search for properties:</a:t>
+            </a:r>
+          </a:p>
+          <a:p>
+            <a:pPr lvl="1"/>
+            <a:r>
+              <a:rPr lang="en-US" dirty="0"/>
+              <a:t>$ hive -S -e "set" | </a:t>
+            </a:r>
+            <a:r>
+              <a:rPr lang="en-US" dirty="0" err="1"/>
+              <a:t>grep</a:t>
+            </a:r>
+            <a:r>
+              <a:rPr lang="en-US" dirty="0"/>
+              <a:t> </a:t>
+            </a:r>
+            <a:r>
+              <a:rPr lang="en-US" dirty="0" smtClean="0"/>
+              <a:t>warehouse</a:t>
+            </a:r>
+          </a:p>
+          <a:p>
+            <a:r>
+              <a:rPr lang="en-US" b="1" dirty="0"/>
+              <a:t>Executing Hive Queries from </a:t>
+            </a:r>
+            <a:r>
+              <a:rPr lang="en-US" b="1" dirty="0" smtClean="0"/>
+              <a:t>Files:</a:t>
+            </a:r>
+          </a:p>
+          <a:p>
+            <a:pPr lvl="1"/>
+            <a:r>
+              <a:rPr lang="en-US" dirty="0"/>
+              <a:t>execute one or more queries that were saved to a file using the -f file argument</a:t>
+            </a:r>
+            <a:r>
+              <a:rPr lang="en-US" dirty="0" smtClean="0"/>
+              <a:t>.</a:t>
+            </a:r>
+          </a:p>
+          <a:p>
+            <a:pPr lvl="1"/>
+            <a:r>
+              <a:rPr lang="en-US" dirty="0" smtClean="0"/>
+              <a:t>In General Hive </a:t>
+            </a:r>
+            <a:r>
+              <a:rPr lang="en-US" dirty="0" smtClean="0"/>
+              <a:t>queries are saved in files with </a:t>
+            </a:r>
+            <a:r>
+              <a:rPr lang="en-US" i="1" dirty="0" smtClean="0"/>
+              <a:t>.q </a:t>
+            </a:r>
+            <a:r>
+              <a:rPr lang="en-US" dirty="0"/>
+              <a:t>or </a:t>
+            </a:r>
+            <a:r>
+              <a:rPr lang="en-US" i="1" dirty="0"/>
+              <a:t>.</a:t>
+            </a:r>
+            <a:r>
+              <a:rPr lang="en-US" i="1" dirty="0" err="1"/>
+              <a:t>hql</a:t>
+            </a:r>
+            <a:r>
+              <a:rPr lang="en-US" i="1" dirty="0"/>
+              <a:t> </a:t>
+            </a:r>
+            <a:r>
+              <a:rPr lang="en-US" dirty="0"/>
+              <a:t>extension</a:t>
+            </a:r>
+            <a:r>
+              <a:rPr lang="en-US" dirty="0" smtClean="0"/>
+              <a:t>.</a:t>
+            </a:r>
+          </a:p>
+          <a:p>
+            <a:pPr lvl="1"/>
+            <a:r>
+              <a:rPr lang="en-US" dirty="0"/>
+              <a:t>$ hive -f /</a:t>
+            </a:r>
+            <a:r>
+              <a:rPr lang="en-US" dirty="0" smtClean="0"/>
+              <a:t>path/</a:t>
+            </a:r>
+            <a:r>
+              <a:rPr lang="en-US" b="1" dirty="0" smtClean="0"/>
+              <a:t>to</a:t>
+            </a:r>
+            <a:r>
+              <a:rPr lang="en-US" dirty="0" smtClean="0"/>
+              <a:t>/file/</a:t>
+            </a:r>
+            <a:r>
+              <a:rPr lang="en-US" dirty="0" err="1" smtClean="0"/>
+              <a:t>withqueries.hql</a:t>
+            </a:r>
+            <a:endParaRPr lang="en-US" dirty="0" smtClean="0"/>
+          </a:p>
+          <a:p>
+            <a:pPr lvl="1"/>
+            <a:r>
+              <a:rPr lang="en-US" dirty="0" smtClean="0"/>
+              <a:t>In</a:t>
+            </a:r>
+            <a:r>
+              <a:rPr lang="en-US" b="1" dirty="0" smtClean="0"/>
+              <a:t> Hive prompt, </a:t>
+            </a:r>
+            <a:r>
+              <a:rPr lang="en-US" dirty="0" smtClean="0"/>
+              <a:t>we use source command</a:t>
+            </a:r>
+          </a:p>
+          <a:p>
+            <a:pPr lvl="1"/>
+            <a:r>
+              <a:rPr lang="en-US" dirty="0"/>
+              <a:t>hive&gt; </a:t>
+            </a:r>
+            <a:r>
+              <a:rPr lang="en-US" b="1" dirty="0"/>
+              <a:t>source</a:t>
+            </a:r>
+            <a:r>
+              <a:rPr lang="en-US" dirty="0"/>
+              <a:t> /path/to/file/</a:t>
+            </a:r>
+            <a:r>
+              <a:rPr lang="en-US" dirty="0" err="1"/>
+              <a:t>withqueries.hql</a:t>
+            </a:r>
+            <a:r>
+              <a:rPr lang="en-US" dirty="0"/>
+              <a:t>;</a:t>
+            </a:r>
+            <a:endParaRPr lang="en-US" b="1" dirty="0" smtClean="0"/>
+          </a:p>
+        </p:txBody>
+      </p:sp>
+    </p:spTree>
+    <p:extLst>
+      <p:ext uri="{BB962C8B-B14F-4D97-AF65-F5344CB8AC3E}">
+        <p14:creationId xmlns:p14="http://schemas.microsoft.com/office/powerpoint/2010/main" val="1685218042"/>
+      </p:ext>
+    </p:extLst>
+  </p:cSld>
+  <p:clrMapOvr>
+    <a:masterClrMapping/>
+  </p:clrMapOvr>
+  <p:timing>
+    <p:tnLst>
+      <p:par>
+        <p:cTn id="1" dur="indefinite" restart="never" nodeType="tmRoot"/>
+      </p:par>
+    </p:tnLst>
+  </p:timing>
+</p:sld>
+</file>
+
+<file path=ppt/slides/slide16.xml><?xml version="1.0" encoding="utf-8"?>
+<p:sld xmlns:a="http://schemas.openxmlformats.org/drawingml/2006/main" xmlns:r="http://schemas.openxmlformats.org/officeDocument/2006/relationships" xmlns:p="http://schemas.openxmlformats.org/presentationml/2006/main">
+  <p:cSld>
+    <p:spTree>
+      <p:nvGrpSpPr>
+        <p:cNvPr id="1" name=""/>
+        <p:cNvGrpSpPr/>
+        <p:nvPr/>
+      </p:nvGrpSpPr>
+      <p:grpSpPr>
+        <a:xfrm>
+          <a:off x="0" y="0"/>
+          <a:ext cx="0" cy="0"/>
+          <a:chOff x="0" y="0"/>
+          <a:chExt cx="0" cy="0"/>
+        </a:xfrm>
+      </p:grpSpPr>
+      <p:sp>
+        <p:nvSpPr>
+          <p:cNvPr id="2" name="Title 1"/>
+          <p:cNvSpPr>
+            <a:spLocks noGrp="1"/>
+          </p:cNvSpPr>
+          <p:nvPr>
+            <p:ph type="title"/>
+          </p:nvPr>
+        </p:nvSpPr>
+        <p:spPr>
+          <a:xfrm>
+            <a:off x="0" y="1"/>
+            <a:ext cx="12192000" cy="791570"/>
+          </a:xfrm>
+        </p:spPr>
+        <p:txBody>
+          <a:bodyPr>
+            <a:normAutofit/>
+          </a:bodyPr>
+          <a:lstStyle/>
+          <a:p>
+            <a:r>
+              <a:rPr lang="en-US" dirty="0"/>
+              <a:t>The Hive </a:t>
+            </a:r>
+            <a:r>
+              <a:rPr lang="en-US" dirty="0" smtClean="0"/>
+              <a:t>Command: CLI</a:t>
+            </a:r>
+            <a:endParaRPr lang="en-US" dirty="0"/>
+          </a:p>
+        </p:txBody>
+      </p:sp>
+      <p:sp>
+        <p:nvSpPr>
+          <p:cNvPr id="3" name="Content Placeholder 2"/>
+          <p:cNvSpPr>
+            <a:spLocks noGrp="1"/>
+          </p:cNvSpPr>
+          <p:nvPr>
+            <p:ph idx="1"/>
+          </p:nvPr>
+        </p:nvSpPr>
+        <p:spPr>
+          <a:xfrm>
+            <a:off x="457200" y="791570"/>
+            <a:ext cx="11734800" cy="6066430"/>
+          </a:xfrm>
+        </p:spPr>
+        <p:txBody>
+          <a:bodyPr>
+            <a:normAutofit fontScale="92500" lnSpcReduction="20000"/>
+          </a:bodyPr>
+          <a:lstStyle/>
+          <a:p>
+            <a:r>
+              <a:rPr lang="en-US" b="1" dirty="0"/>
+              <a:t>The .</a:t>
+            </a:r>
+            <a:r>
+              <a:rPr lang="en-US" b="1" dirty="0" err="1"/>
+              <a:t>hiverc</a:t>
+            </a:r>
+            <a:r>
+              <a:rPr lang="en-US" b="1" dirty="0"/>
+              <a:t> </a:t>
+            </a:r>
+            <a:r>
+              <a:rPr lang="en-US" b="1" dirty="0" smtClean="0"/>
+              <a:t>File:</a:t>
+            </a:r>
+          </a:p>
+          <a:p>
+            <a:pPr lvl="1"/>
+            <a:r>
+              <a:rPr lang="en-US" dirty="0" smtClean="0"/>
+              <a:t>We can initialize files using </a:t>
+            </a:r>
+            <a:r>
+              <a:rPr lang="en-US" b="1" dirty="0"/>
+              <a:t>-</a:t>
+            </a:r>
+            <a:r>
+              <a:rPr lang="en-US" b="1" dirty="0" err="1"/>
+              <a:t>i</a:t>
+            </a:r>
+            <a:r>
+              <a:rPr lang="en-US" b="1" dirty="0"/>
+              <a:t> file </a:t>
+            </a:r>
+            <a:r>
+              <a:rPr lang="en-US" dirty="0" smtClean="0"/>
+              <a:t>option. </a:t>
+            </a:r>
+            <a:r>
+              <a:rPr lang="en-US" dirty="0"/>
+              <a:t>lets you specify a file </a:t>
+            </a:r>
+            <a:r>
+              <a:rPr lang="en-US" dirty="0" smtClean="0"/>
+              <a:t>of commands </a:t>
+            </a:r>
+            <a:r>
+              <a:rPr lang="en-US" dirty="0"/>
+              <a:t>for the CLI to run as it starts, before showing you the prompt</a:t>
+            </a:r>
+            <a:r>
+              <a:rPr lang="en-US" dirty="0" smtClean="0"/>
+              <a:t>.</a:t>
+            </a:r>
+          </a:p>
+          <a:p>
+            <a:pPr lvl="1"/>
+            <a:r>
+              <a:rPr lang="en-US" dirty="0" smtClean="0"/>
+              <a:t>Also, </a:t>
+            </a:r>
+            <a:r>
+              <a:rPr lang="en-US" dirty="0"/>
+              <a:t>Hive </a:t>
+            </a:r>
+            <a:r>
+              <a:rPr lang="en-US" dirty="0" smtClean="0"/>
+              <a:t>automatically looks </a:t>
+            </a:r>
+            <a:r>
+              <a:rPr lang="en-US" dirty="0"/>
+              <a:t>for a file named </a:t>
+            </a:r>
+            <a:r>
+              <a:rPr lang="en-US" i="1" dirty="0"/>
+              <a:t>.</a:t>
+            </a:r>
+            <a:r>
+              <a:rPr lang="en-US" b="1" i="1" dirty="0" err="1"/>
+              <a:t>hiverc</a:t>
+            </a:r>
+            <a:r>
+              <a:rPr lang="en-US" i="1" dirty="0"/>
+              <a:t> </a:t>
+            </a:r>
+            <a:r>
+              <a:rPr lang="en-US" dirty="0"/>
+              <a:t>in your </a:t>
+            </a:r>
+            <a:r>
+              <a:rPr lang="en-US" sz="2000" dirty="0"/>
+              <a:t>HOME </a:t>
+            </a:r>
+            <a:r>
+              <a:rPr lang="en-US" dirty="0"/>
+              <a:t>directory and runs the </a:t>
+            </a:r>
+            <a:r>
+              <a:rPr lang="en-US" dirty="0" smtClean="0"/>
+              <a:t>commands it contains.</a:t>
+            </a:r>
+          </a:p>
+          <a:p>
+            <a:pPr lvl="1"/>
+            <a:r>
+              <a:rPr lang="en-US" dirty="0" smtClean="0"/>
+              <a:t>These two options are </a:t>
+            </a:r>
+            <a:r>
+              <a:rPr lang="en-US" dirty="0" smtClean="0"/>
+              <a:t>convenient </a:t>
+            </a:r>
+            <a:r>
+              <a:rPr lang="en-US" dirty="0"/>
+              <a:t>for commands that you run frequently, such as </a:t>
+            </a:r>
+            <a:r>
+              <a:rPr lang="en-US" dirty="0" smtClean="0"/>
+              <a:t>setting system properties.</a:t>
+            </a:r>
+          </a:p>
+          <a:p>
+            <a:pPr lvl="1"/>
+            <a:r>
+              <a:rPr lang="en-US" dirty="0"/>
+              <a:t>example of a typical </a:t>
+            </a:r>
+            <a:r>
+              <a:rPr lang="en-US" i="1" dirty="0"/>
+              <a:t>$HOME/.</a:t>
+            </a:r>
+            <a:r>
+              <a:rPr lang="en-US" i="1" dirty="0" err="1"/>
+              <a:t>hiverc</a:t>
+            </a:r>
+            <a:r>
+              <a:rPr lang="en-US" i="1" dirty="0"/>
+              <a:t> </a:t>
+            </a:r>
+            <a:r>
+              <a:rPr lang="en-US" dirty="0"/>
+              <a:t>file</a:t>
+            </a:r>
+            <a:r>
+              <a:rPr lang="en-US" dirty="0" smtClean="0"/>
+              <a:t>: note: </a:t>
+            </a:r>
+            <a:r>
+              <a:rPr lang="en-US" dirty="0" err="1" smtClean="0"/>
+              <a:t>donot</a:t>
+            </a:r>
+            <a:r>
+              <a:rPr lang="en-US" dirty="0" smtClean="0"/>
+              <a:t> forget semicolon after each prop.</a:t>
+            </a:r>
+            <a:endParaRPr lang="en-US" dirty="0"/>
+          </a:p>
+          <a:p>
+            <a:pPr lvl="2"/>
+            <a:r>
+              <a:rPr lang="en-US" dirty="0"/>
+              <a:t>ADD JAR /path/to/custom_hive_extensions.jar</a:t>
+            </a:r>
+            <a:r>
+              <a:rPr lang="en-US" dirty="0" smtClean="0"/>
+              <a:t>;  - This line </a:t>
+            </a:r>
+            <a:r>
+              <a:rPr lang="en-US" dirty="0"/>
+              <a:t>adds a JAR file to the Hadoop </a:t>
+            </a:r>
+            <a:r>
+              <a:rPr lang="en-US" dirty="0" smtClean="0"/>
+              <a:t>DC.</a:t>
+            </a:r>
+            <a:endParaRPr lang="en-US" dirty="0"/>
+          </a:p>
+          <a:p>
+            <a:pPr lvl="2"/>
+            <a:r>
+              <a:rPr lang="en-US" dirty="0"/>
+              <a:t>set </a:t>
+            </a:r>
+            <a:r>
+              <a:rPr lang="en-US" dirty="0" err="1"/>
+              <a:t>hive.cli.print.current.db</a:t>
+            </a:r>
+            <a:r>
+              <a:rPr lang="en-US" dirty="0"/>
+              <a:t>=true;</a:t>
+            </a:r>
+          </a:p>
+          <a:p>
+            <a:pPr lvl="2"/>
+            <a:r>
+              <a:rPr lang="en-US" dirty="0"/>
+              <a:t>set </a:t>
+            </a:r>
+            <a:r>
+              <a:rPr lang="en-US" dirty="0" err="1"/>
+              <a:t>hive.exec.mode.local.auto</a:t>
+            </a:r>
+            <a:r>
+              <a:rPr lang="en-US" dirty="0"/>
+              <a:t>=true</a:t>
+            </a:r>
+            <a:r>
+              <a:rPr lang="en-US" dirty="0" smtClean="0"/>
+              <a:t>;</a:t>
+            </a:r>
+          </a:p>
+          <a:p>
+            <a:r>
+              <a:rPr lang="en-US" dirty="0" smtClean="0"/>
+              <a:t>Auto complete: </a:t>
+            </a:r>
+          </a:p>
+          <a:p>
+            <a:pPr lvl="1"/>
+            <a:r>
+              <a:rPr lang="en-US" dirty="0" smtClean="0"/>
+              <a:t>Use TAB to autocomplete keywords and functions. On hive prompt prints entire list of keywords and built-in functions.</a:t>
+            </a:r>
+          </a:p>
+          <a:p>
+            <a:r>
+              <a:rPr lang="en-US" dirty="0" smtClean="0"/>
+              <a:t>Command History: </a:t>
+            </a:r>
+          </a:p>
+          <a:p>
+            <a:pPr lvl="1"/>
+            <a:r>
+              <a:rPr lang="en-US" dirty="0" smtClean="0"/>
+              <a:t>Use up/down arrows to scroll through </a:t>
+            </a:r>
+            <a:r>
+              <a:rPr lang="en-US" dirty="0"/>
+              <a:t>previous </a:t>
+            </a:r>
+            <a:r>
+              <a:rPr lang="en-US" dirty="0" smtClean="0"/>
+              <a:t>commands.</a:t>
+            </a:r>
+          </a:p>
+          <a:p>
+            <a:pPr lvl="1"/>
+            <a:r>
+              <a:rPr lang="en-US" dirty="0" smtClean="0"/>
+              <a:t>Hive </a:t>
+            </a:r>
+            <a:r>
+              <a:rPr lang="en-US" dirty="0"/>
+              <a:t>saves the last 100,00 </a:t>
+            </a:r>
+            <a:r>
+              <a:rPr lang="en-US" dirty="0" smtClean="0"/>
+              <a:t>lines into </a:t>
+            </a:r>
+            <a:r>
+              <a:rPr lang="en-US" dirty="0"/>
+              <a:t>a file </a:t>
+            </a:r>
+            <a:r>
+              <a:rPr lang="en-US" i="1" dirty="0"/>
+              <a:t>$HOME/.</a:t>
+            </a:r>
+            <a:r>
+              <a:rPr lang="en-US" i="1" dirty="0" err="1"/>
+              <a:t>hivehistory</a:t>
+            </a:r>
+            <a:r>
+              <a:rPr lang="en-US" dirty="0"/>
+              <a:t>. </a:t>
+            </a:r>
+            <a:endParaRPr lang="en-US" dirty="0"/>
+          </a:p>
+          <a:p>
+            <a:r>
+              <a:rPr lang="en-US" dirty="0" smtClean="0"/>
+              <a:t>Shell execution: </a:t>
+            </a:r>
+          </a:p>
+          <a:p>
+            <a:pPr lvl="1"/>
+            <a:r>
+              <a:rPr lang="en-US" dirty="0" smtClean="0"/>
+              <a:t>execute </a:t>
+            </a:r>
+            <a:r>
+              <a:rPr lang="en-US" dirty="0" err="1" smtClean="0"/>
+              <a:t>unix</a:t>
+            </a:r>
+            <a:r>
+              <a:rPr lang="en-US" dirty="0" smtClean="0"/>
+              <a:t> shel</a:t>
+            </a:r>
+            <a:r>
+              <a:rPr lang="en-US" dirty="0" smtClean="0"/>
+              <a:t>l commands by prefixing command by ‘!’  and terminate by ‘;’. E.g. hive</a:t>
+            </a:r>
+            <a:r>
+              <a:rPr lang="en-US" dirty="0"/>
+              <a:t>&gt; ! </a:t>
+            </a:r>
+            <a:r>
+              <a:rPr lang="en-US" dirty="0" err="1"/>
+              <a:t>pwd</a:t>
+            </a:r>
+            <a:r>
+              <a:rPr lang="en-US" dirty="0" smtClean="0"/>
+              <a:t>;</a:t>
+            </a:r>
+          </a:p>
+          <a:p>
+            <a:pPr lvl="1"/>
+            <a:r>
+              <a:rPr lang="en-US" dirty="0" smtClean="0"/>
+              <a:t>Interactive commands(getting user input), pipes and globs doesn’t work.</a:t>
+            </a:r>
+            <a:endParaRPr lang="en-US" dirty="0" smtClean="0"/>
+          </a:p>
+        </p:txBody>
+      </p:sp>
+    </p:spTree>
+    <p:extLst>
+      <p:ext uri="{BB962C8B-B14F-4D97-AF65-F5344CB8AC3E}">
+        <p14:creationId xmlns:p14="http://schemas.microsoft.com/office/powerpoint/2010/main" val="993676527"/>
+      </p:ext>
+    </p:extLst>
+  </p:cSld>
+  <p:clrMapOvr>
+    <a:masterClrMapping/>
+  </p:clrMapOvr>
+  <p:timing>
+    <p:tnLst>
+      <p:par>
+        <p:cTn id="1" dur="indefinite" restart="never" nodeType="tmRoot"/>
+      </p:par>
+    </p:tnLst>
+  </p:timing>
+</p:sld>
+</file>
+
+<file path=ppt/slides/slide17.xml><?xml version="1.0" encoding="utf-8"?>
+<p:sld xmlns:a="http://schemas.openxmlformats.org/drawingml/2006/main" xmlns:r="http://schemas.openxmlformats.org/officeDocument/2006/relationships" xmlns:p="http://schemas.openxmlformats.org/presentationml/2006/main">
+  <p:cSld>
+    <p:spTree>
+      <p:nvGrpSpPr>
+        <p:cNvPr id="1" name=""/>
+        <p:cNvGrpSpPr/>
+        <p:nvPr/>
+      </p:nvGrpSpPr>
+      <p:grpSpPr>
+        <a:xfrm>
+          <a:off x="0" y="0"/>
+          <a:ext cx="0" cy="0"/>
+          <a:chOff x="0" y="0"/>
+          <a:chExt cx="0" cy="0"/>
+        </a:xfrm>
+      </p:grpSpPr>
+      <p:sp>
+        <p:nvSpPr>
+          <p:cNvPr id="2" name="Title 1"/>
+          <p:cNvSpPr>
+            <a:spLocks noGrp="1"/>
+          </p:cNvSpPr>
+          <p:nvPr>
+            <p:ph type="title"/>
+          </p:nvPr>
+        </p:nvSpPr>
+        <p:spPr>
+          <a:xfrm>
+            <a:off x="0" y="1"/>
+            <a:ext cx="12192000" cy="791570"/>
+          </a:xfrm>
+        </p:spPr>
+        <p:txBody>
+          <a:bodyPr>
+            <a:normAutofit/>
+          </a:bodyPr>
+          <a:lstStyle/>
+          <a:p>
+            <a:r>
+              <a:rPr lang="en-US" dirty="0"/>
+              <a:t>The Hive </a:t>
+            </a:r>
+            <a:r>
+              <a:rPr lang="en-US" dirty="0" smtClean="0"/>
+              <a:t>Command: CLI</a:t>
+            </a:r>
+            <a:endParaRPr lang="en-US" dirty="0"/>
+          </a:p>
+        </p:txBody>
+      </p:sp>
+      <p:sp>
+        <p:nvSpPr>
+          <p:cNvPr id="3" name="Content Placeholder 2"/>
+          <p:cNvSpPr>
+            <a:spLocks noGrp="1"/>
+          </p:cNvSpPr>
+          <p:nvPr>
+            <p:ph idx="1"/>
+          </p:nvPr>
+        </p:nvSpPr>
+        <p:spPr>
+          <a:xfrm>
+            <a:off x="457200" y="791570"/>
+            <a:ext cx="11734800" cy="6066430"/>
+          </a:xfrm>
+        </p:spPr>
+        <p:txBody>
+          <a:bodyPr>
+            <a:normAutofit/>
+          </a:bodyPr>
+          <a:lstStyle/>
+          <a:p>
+            <a:r>
+              <a:rPr lang="en-US" dirty="0"/>
+              <a:t>Hadoop </a:t>
+            </a:r>
+            <a:r>
+              <a:rPr lang="en-US" dirty="0" err="1" smtClean="0"/>
+              <a:t>dfs</a:t>
+            </a:r>
+            <a:r>
+              <a:rPr lang="en-US" dirty="0" smtClean="0"/>
+              <a:t> commands: hive&gt;</a:t>
+            </a:r>
+            <a:r>
+              <a:rPr lang="en-US" dirty="0" err="1" smtClean="0"/>
+              <a:t>dfs</a:t>
+            </a:r>
+            <a:r>
+              <a:rPr lang="en-US" dirty="0" smtClean="0"/>
+              <a:t> -help</a:t>
+            </a:r>
+          </a:p>
+          <a:p>
+            <a:pPr lvl="1"/>
+            <a:r>
+              <a:rPr lang="en-US" dirty="0" smtClean="0"/>
+              <a:t>We can execute </a:t>
+            </a:r>
+            <a:r>
+              <a:rPr lang="en-US" dirty="0" err="1"/>
+              <a:t>hadoop</a:t>
+            </a:r>
+            <a:r>
+              <a:rPr lang="en-US" dirty="0"/>
+              <a:t> </a:t>
+            </a:r>
+            <a:r>
+              <a:rPr lang="en-US" dirty="0" err="1"/>
+              <a:t>dfs</a:t>
+            </a:r>
+            <a:r>
+              <a:rPr lang="en-US" dirty="0"/>
+              <a:t> ... commands </a:t>
+            </a:r>
+            <a:r>
+              <a:rPr lang="en-US" dirty="0" smtClean="0"/>
+              <a:t>within </a:t>
+            </a:r>
+            <a:r>
+              <a:rPr lang="en-US" dirty="0"/>
+              <a:t>the </a:t>
+            </a:r>
+            <a:r>
+              <a:rPr lang="en-US" dirty="0" smtClean="0"/>
+              <a:t>hive. It is </a:t>
+            </a:r>
+            <a:r>
+              <a:rPr lang="en-US" dirty="0" err="1" smtClean="0"/>
+              <a:t>is</a:t>
+            </a:r>
+            <a:r>
+              <a:rPr lang="en-US" dirty="0" smtClean="0"/>
+              <a:t> better way than directly executing </a:t>
+            </a:r>
+            <a:r>
+              <a:rPr lang="en-US" dirty="0" err="1" smtClean="0"/>
+              <a:t>dfs</a:t>
+            </a:r>
+            <a:r>
+              <a:rPr lang="en-US" dirty="0" smtClean="0"/>
+              <a:t> commands, which starts </a:t>
+            </a:r>
+            <a:r>
+              <a:rPr lang="en-US" dirty="0" err="1" smtClean="0"/>
+              <a:t>jvm</a:t>
+            </a:r>
+            <a:r>
+              <a:rPr lang="en-US" dirty="0" smtClean="0"/>
+              <a:t> for each statement. Hive reuses JVM.</a:t>
+            </a:r>
+          </a:p>
+          <a:p>
+            <a:r>
+              <a:rPr lang="en-US" dirty="0" smtClean="0"/>
+              <a:t>Comments </a:t>
+            </a:r>
+          </a:p>
+          <a:p>
+            <a:pPr lvl="1"/>
+            <a:r>
+              <a:rPr lang="en-US" dirty="0" smtClean="0"/>
+              <a:t>Single line comments are allowed only in hive scripts, which will run by hive –f </a:t>
+            </a:r>
+          </a:p>
+          <a:p>
+            <a:r>
+              <a:rPr lang="en-US" dirty="0" smtClean="0"/>
+              <a:t>Column headers:</a:t>
+            </a:r>
+          </a:p>
+          <a:p>
+            <a:pPr lvl="1"/>
+            <a:r>
+              <a:rPr lang="en-US" dirty="0" smtClean="0"/>
+              <a:t>Enable printing column headers in the result by </a:t>
+            </a:r>
+            <a:r>
+              <a:rPr lang="en-US" dirty="0" err="1"/>
+              <a:t>hiveconf</a:t>
+            </a:r>
+            <a:r>
+              <a:rPr lang="en-US" dirty="0"/>
+              <a:t> </a:t>
+            </a:r>
+            <a:r>
+              <a:rPr lang="en-US" dirty="0" smtClean="0"/>
+              <a:t>property</a:t>
+            </a:r>
+          </a:p>
+          <a:p>
+            <a:pPr lvl="1"/>
+            <a:r>
+              <a:rPr lang="en-US" dirty="0" smtClean="0"/>
+              <a:t>Hive&gt;Set </a:t>
+            </a:r>
+            <a:r>
+              <a:rPr lang="en-US" dirty="0" err="1"/>
+              <a:t>hive.cli.print.header</a:t>
+            </a:r>
+            <a:r>
+              <a:rPr lang="en-US" dirty="0"/>
+              <a:t> </a:t>
+            </a:r>
+            <a:r>
+              <a:rPr lang="en-US" dirty="0" smtClean="0"/>
+              <a:t>= </a:t>
+            </a:r>
+            <a:r>
+              <a:rPr lang="en-US" smtClean="0"/>
+              <a:t>true:	</a:t>
+            </a:r>
+            <a:endParaRPr lang="en-US" dirty="0"/>
+          </a:p>
+        </p:txBody>
+      </p:sp>
+    </p:spTree>
+    <p:extLst>
+      <p:ext uri="{BB962C8B-B14F-4D97-AF65-F5344CB8AC3E}">
+        <p14:creationId xmlns:p14="http://schemas.microsoft.com/office/powerpoint/2010/main" val="2591322496"/>
       </p:ext>
     </p:extLst>
   </p:cSld>
